--- a/毕业答辩终板.pptx
+++ b/毕业答辩终板.pptx
@@ -2660,8 +2660,8 @@
         </a:p>
       </dgm:t>
     </dgm:pt>
-    <mc:AlternateContent xmlns:mc="http://schemas.openxmlformats.org/markup-compatibility/2006">
-      <mc:Choice xmlns:a14="http://schemas.microsoft.com/office/drawing/2010/main" Requires="a14">
+    <mc:AlternateContent xmlns:mc="http://schemas.openxmlformats.org/markup-compatibility/2006" xmlns:a14="http://schemas.microsoft.com/office/drawing/2010/main">
+      <mc:Choice Requires="a14">
         <dgm:pt modelId="{B82426F5-0DBC-427C-8FBA-20FADBB2D550}">
           <dgm:prSet phldrT="[文本]" custT="1"/>
           <dgm:spPr>
@@ -2743,7 +2743,7 @@
           </dgm:t>
         </dgm:pt>
       </mc:Choice>
-      <mc:Fallback>
+      <mc:Fallback xmlns="">
         <dgm:pt modelId="{B82426F5-0DBC-427C-8FBA-20FADBB2D550}">
           <dgm:prSet phldrT="[文本]" custT="1"/>
           <dgm:spPr>
@@ -4898,7 +4898,7 @@
           <a:p>
             <a:fld id="{16FB6A8C-1851-48A9-9B71-A35154A2CE81}" type="datetime1">
               <a:rPr lang="zh-CN" altLang="en-US" smtClean="0"/>
-              <a:t>2018/3/7</a:t>
+              <a:t>2018/3/8</a:t>
             </a:fld>
             <a:endParaRPr lang="zh-CN" altLang="en-US"/>
           </a:p>
@@ -5067,7 +5067,7 @@
           <a:p>
             <a:fld id="{46E1CBE9-6BF2-4ED3-9190-FF15310012E5}" type="datetime1">
               <a:rPr lang="zh-CN" altLang="en-US" smtClean="0"/>
-              <a:t>2018/3/7</a:t>
+              <a:t>2018/3/8</a:t>
             </a:fld>
             <a:endParaRPr lang="zh-CN" altLang="en-US"/>
           </a:p>
@@ -5740,7 +5740,7 @@
           <a:p>
             <a:fld id="{809A134D-5034-4E87-B757-BE2456010956}" type="datetime1">
               <a:rPr lang="zh-CN" altLang="en-US" smtClean="0"/>
-              <a:t>2018/3/7</a:t>
+              <a:t>2018/3/8</a:t>
             </a:fld>
             <a:endParaRPr lang="zh-CN" altLang="en-US"/>
           </a:p>
@@ -6084,7 +6084,7 @@
           <a:p>
             <a:fld id="{F8DA8E15-8763-474A-8D26-052DC3033E6E}" type="datetime1">
               <a:rPr lang="zh-CN" altLang="en-US" smtClean="0"/>
-              <a:t>2018/3/7</a:t>
+              <a:t>2018/3/8</a:t>
             </a:fld>
             <a:endParaRPr lang="zh-CN" altLang="en-US"/>
           </a:p>
@@ -6495,7 +6495,7 @@
           <a:p>
             <a:fld id="{EB6F474C-9DA7-489C-B7FA-05AC4B19BB16}" type="datetime1">
               <a:rPr lang="zh-CN" altLang="en-US" smtClean="0"/>
-              <a:t>2018/3/7</a:t>
+              <a:t>2018/3/8</a:t>
             </a:fld>
             <a:endParaRPr lang="zh-CN" altLang="en-US"/>
           </a:p>
@@ -6841,7 +6841,7 @@
           <a:p>
             <a:fld id="{420FC1DD-1A87-4FA3-A45D-C6DB00C77C0A}" type="datetime1">
               <a:rPr lang="zh-CN" altLang="en-US" smtClean="0"/>
-              <a:t>2018/3/7</a:t>
+              <a:t>2018/3/8</a:t>
             </a:fld>
             <a:endParaRPr lang="zh-CN" altLang="en-US"/>
           </a:p>
@@ -7171,7 +7171,7 @@
           <a:p>
             <a:fld id="{04D45F62-0214-40B5-A8B7-FD5A5F699639}" type="datetime1">
               <a:rPr lang="zh-CN" altLang="en-US" smtClean="0"/>
-              <a:t>2018/3/7</a:t>
+              <a:t>2018/3/8</a:t>
             </a:fld>
             <a:endParaRPr lang="zh-CN" altLang="en-US"/>
           </a:p>
@@ -7577,7 +7577,7 @@
           <a:p>
             <a:fld id="{373A25F1-65F1-4153-AEF0-CA01291EA2BD}" type="datetime1">
               <a:rPr lang="zh-CN" altLang="en-US" smtClean="0"/>
-              <a:t>2018/3/7</a:t>
+              <a:t>2018/3/8</a:t>
             </a:fld>
             <a:endParaRPr lang="zh-CN" altLang="en-US"/>
           </a:p>
@@ -7844,7 +7844,7 @@
           <a:p>
             <a:fld id="{9501F5B9-55AE-4577-9BBF-0FD121FA0A82}" type="datetime1">
               <a:rPr lang="zh-CN" altLang="en-US" smtClean="0"/>
-              <a:t>2018/3/7</a:t>
+              <a:t>2018/3/8</a:t>
             </a:fld>
             <a:endParaRPr lang="zh-CN" altLang="en-US"/>
           </a:p>
@@ -8116,7 +8116,7 @@
           <a:p>
             <a:fld id="{472907BC-4E9B-4C58-B8CE-7265893536F2}" type="datetime1">
               <a:rPr lang="zh-CN" altLang="en-US" smtClean="0"/>
-              <a:t>2018/3/7</a:t>
+              <a:t>2018/3/8</a:t>
             </a:fld>
             <a:endParaRPr lang="zh-CN" altLang="en-US"/>
           </a:p>
@@ -8388,7 +8388,7 @@
           <a:p>
             <a:fld id="{E95A93CE-48DC-4098-8222-25A8A3951104}" type="datetime1">
               <a:rPr lang="zh-CN" altLang="en-US" smtClean="0"/>
-              <a:t>2018/3/7</a:t>
+              <a:t>2018/3/8</a:t>
             </a:fld>
             <a:endParaRPr lang="zh-CN" altLang="en-US"/>
           </a:p>
@@ -8727,7 +8727,7 @@
           <a:p>
             <a:fld id="{623FCBAB-8295-45D9-9A47-D48C8CD97C29}" type="datetime1">
               <a:rPr lang="zh-CN" altLang="en-US" smtClean="0"/>
-              <a:t>2018/3/7</a:t>
+              <a:t>2018/3/8</a:t>
             </a:fld>
             <a:endParaRPr lang="zh-CN" altLang="en-US"/>
           </a:p>
@@ -9060,7 +9060,7 @@
           <a:p>
             <a:fld id="{B449E7FA-077A-48CB-A4CA-9902FCB6B9A8}" type="datetime1">
               <a:rPr lang="zh-CN" altLang="en-US" smtClean="0"/>
-              <a:t>2018/3/7</a:t>
+              <a:t>2018/3/8</a:t>
             </a:fld>
             <a:endParaRPr lang="zh-CN" altLang="en-US"/>
           </a:p>
@@ -9527,7 +9527,7 @@
           <a:p>
             <a:fld id="{1A3361F2-08B0-4663-9AFC-70F822C35FA3}" type="datetime1">
               <a:rPr lang="zh-CN" altLang="en-US" smtClean="0"/>
-              <a:t>2018/3/7</a:t>
+              <a:t>2018/3/8</a:t>
             </a:fld>
             <a:endParaRPr lang="zh-CN" altLang="en-US"/>
           </a:p>
@@ -9747,7 +9747,7 @@
           <a:p>
             <a:fld id="{5B4BE87B-F364-45B6-8572-30E2C54DD2BA}" type="datetime1">
               <a:rPr lang="zh-CN" altLang="en-US" smtClean="0"/>
-              <a:t>2018/3/7</a:t>
+              <a:t>2018/3/8</a:t>
             </a:fld>
             <a:endParaRPr lang="zh-CN" altLang="en-US"/>
           </a:p>
@@ -9934,7 +9934,7 @@
           <a:p>
             <a:fld id="{2225F608-7544-4C44-B3C3-CFD1584FD155}" type="datetime1">
               <a:rPr lang="zh-CN" altLang="en-US" smtClean="0"/>
-              <a:t>2018/3/7</a:t>
+              <a:t>2018/3/8</a:t>
             </a:fld>
             <a:endParaRPr lang="zh-CN" altLang="en-US"/>
           </a:p>
@@ -10277,7 +10277,7 @@
           <a:p>
             <a:fld id="{D08B6323-DC20-4824-90F3-54EE8617DFB4}" type="datetime1">
               <a:rPr lang="zh-CN" altLang="en-US" smtClean="0"/>
-              <a:t>2018/3/7</a:t>
+              <a:t>2018/3/8</a:t>
             </a:fld>
             <a:endParaRPr lang="zh-CN" altLang="en-US"/>
           </a:p>
@@ -10632,7 +10632,7 @@
           <a:p>
             <a:fld id="{234118D6-BF36-4D67-A9E4-4028B07A2E04}" type="datetime1">
               <a:rPr lang="zh-CN" altLang="en-US" smtClean="0"/>
-              <a:t>2018/3/7</a:t>
+              <a:t>2018/3/8</a:t>
             </a:fld>
             <a:endParaRPr lang="zh-CN" altLang="en-US"/>
           </a:p>
@@ -12759,7 +12759,7 @@
           <a:p>
             <a:fld id="{33E1F433-CAD1-448B-9BA6-00BD0995B1BD}" type="datetime1">
               <a:rPr lang="zh-CN" altLang="en-US" smtClean="0"/>
-              <a:t>2018/3/7</a:t>
+              <a:t>2018/3/8</a:t>
             </a:fld>
             <a:endParaRPr lang="zh-CN" altLang="en-US"/>
           </a:p>
@@ -14378,7 +14378,6 @@
               <a:rPr lang="zh-CN" altLang="en-US" dirty="0"/>
               <a:t>驱逐策略</a:t>
             </a:r>
-            <a:endParaRPr lang="zh-CN" altLang="en-US" dirty="0"/>
           </a:p>
         </p:txBody>
       </p:sp>
@@ -14975,8 +14974,8 @@
           </a:p>
         </p:txBody>
       </p:sp>
-      <mc:AlternateContent xmlns:mc="http://schemas.openxmlformats.org/markup-compatibility/2006">
-        <mc:Choice xmlns:a14="http://schemas.microsoft.com/office/drawing/2010/main" Requires="a14">
+      <mc:AlternateContent xmlns:mc="http://schemas.openxmlformats.org/markup-compatibility/2006" xmlns:a14="http://schemas.microsoft.com/office/drawing/2010/main">
+        <mc:Choice Requires="a14">
           <p:sp>
             <p:nvSpPr>
               <p:cNvPr id="7" name="内容占位符 2"/>
@@ -15500,7 +15499,7 @@
             </p:txBody>
           </p:sp>
         </mc:Choice>
-        <mc:Fallback>
+        <mc:Fallback xmlns="">
           <p:sp>
             <p:nvSpPr>
               <p:cNvPr id="7" name="内容占位符 2"/>
@@ -15623,8 +15622,8 @@
           </a:p>
         </p:txBody>
       </p:sp>
-      <mc:AlternateContent xmlns:mc="http://schemas.openxmlformats.org/markup-compatibility/2006">
-        <mc:Choice xmlns:a14="http://schemas.microsoft.com/office/drawing/2010/main" Requires="a14">
+      <mc:AlternateContent xmlns:mc="http://schemas.openxmlformats.org/markup-compatibility/2006" xmlns:a14="http://schemas.microsoft.com/office/drawing/2010/main">
+        <mc:Choice Requires="a14">
           <p:sp>
             <p:nvSpPr>
               <p:cNvPr id="10" name="内容占位符 2"/>
@@ -18899,7 +18898,7 @@
             </p:txBody>
           </p:sp>
         </mc:Choice>
-        <mc:Fallback>
+        <mc:Fallback xmlns="">
           <p:sp>
             <p:nvSpPr>
               <p:cNvPr id="10" name="内容占位符 2"/>
@@ -19060,8 +19059,8 @@
           </a:p>
         </p:txBody>
       </p:sp>
-      <mc:AlternateContent xmlns:mc="http://schemas.openxmlformats.org/markup-compatibility/2006">
-        <mc:Choice xmlns:a14="http://schemas.microsoft.com/office/drawing/2010/main" Requires="a14">
+      <mc:AlternateContent xmlns:mc="http://schemas.openxmlformats.org/markup-compatibility/2006" xmlns:a14="http://schemas.microsoft.com/office/drawing/2010/main">
+        <mc:Choice Requires="a14">
           <p:graphicFrame>
             <p:nvGraphicFramePr>
               <p:cNvPr id="11" name="图示 10"/>
@@ -19085,7 +19084,7 @@
             </a:graphic>
           </p:graphicFrame>
         </mc:Choice>
-        <mc:Fallback>
+        <mc:Fallback xmlns="">
           <p:graphicFrame>
             <p:nvGraphicFramePr>
               <p:cNvPr id="11" name="图示 10"/>
@@ -19104,7 +19103,7 @@
             </p:xfrm>
             <a:graphic>
               <a:graphicData uri="http://schemas.openxmlformats.org/drawingml/2006/diagram">
-                <dgm:relIds xmlns:dgm="http://schemas.openxmlformats.org/drawingml/2006/diagram" xmlns:r="http://schemas.openxmlformats.org/officeDocument/2006/relationships" r:dm="rId7" r:lo="rId3" r:qs="rId4" r:cs="rId5"/>
+                <dgm:relIds xmlns:dgm="http://schemas.openxmlformats.org/drawingml/2006/diagram" xmlns:r="http://schemas.openxmlformats.org/officeDocument/2006/relationships" r:dm="rId7" r:lo="rId8" r:qs="rId9" r:cs="rId10"/>
               </a:graphicData>
             </a:graphic>
           </p:graphicFrame>
@@ -20035,8 +20034,8 @@
           </a:fontRef>
         </p:style>
       </p:cxnSp>
-      <mc:AlternateContent xmlns:mc="http://schemas.openxmlformats.org/markup-compatibility/2006">
-        <mc:Choice xmlns:a14="http://schemas.microsoft.com/office/drawing/2010/main" Requires="a14">
+      <mc:AlternateContent xmlns:mc="http://schemas.openxmlformats.org/markup-compatibility/2006" xmlns:a14="http://schemas.microsoft.com/office/drawing/2010/main">
+        <mc:Choice Requires="a14">
           <p:sp>
             <p:nvSpPr>
               <p:cNvPr id="13" name="文本框 12"/>
@@ -20097,7 +20096,7 @@
             </p:txBody>
           </p:sp>
         </mc:Choice>
-        <mc:Fallback>
+        <mc:Fallback xmlns="">
           <p:sp>
             <p:nvSpPr>
               <p:cNvPr id="13" name="文本框 12"/>
@@ -20512,8 +20511,8 @@
           </a:p>
         </p:txBody>
       </p:sp>
-      <mc:AlternateContent xmlns:mc="http://schemas.openxmlformats.org/markup-compatibility/2006">
-        <mc:Choice xmlns:a14="http://schemas.microsoft.com/office/drawing/2010/main" Requires="a14">
+      <mc:AlternateContent xmlns:mc="http://schemas.openxmlformats.org/markup-compatibility/2006" xmlns:a14="http://schemas.microsoft.com/office/drawing/2010/main">
+        <mc:Choice Requires="a14">
           <p:sp>
             <p:nvSpPr>
               <p:cNvPr id="30" name="文本框 29"/>
@@ -20574,7 +20573,7 @@
             </p:txBody>
           </p:sp>
         </mc:Choice>
-        <mc:Fallback>
+        <mc:Fallback xmlns="">
           <p:sp>
             <p:nvSpPr>
               <p:cNvPr id="30" name="文本框 29"/>
@@ -23311,8 +23310,8 @@
             </p:spPr>
           </p:pic>
         </p:grpSp>
-        <mc:AlternateContent xmlns:mc="http://schemas.openxmlformats.org/markup-compatibility/2006">
-          <mc:Choice xmlns:a14="http://schemas.microsoft.com/office/drawing/2010/main" Requires="a14">
+        <mc:AlternateContent xmlns:mc="http://schemas.openxmlformats.org/markup-compatibility/2006" xmlns:a14="http://schemas.microsoft.com/office/drawing/2010/main">
+          <mc:Choice Requires="a14">
             <p:sp>
               <p:nvSpPr>
                 <p:cNvPr id="91" name="线形标注 2(带强调线) 4"/>
@@ -23472,7 +23471,7 @@
               </p:txBody>
             </p:sp>
           </mc:Choice>
-          <mc:Fallback>
+          <mc:Fallback xmlns="">
             <p:sp>
               <p:nvSpPr>
                 <p:cNvPr id="91" name="线形标注 2(带强调线) 4"/>
@@ -23667,8 +23666,8 @@
           </a:p>
         </p:txBody>
       </p:sp>
-      <mc:AlternateContent xmlns:mc="http://schemas.openxmlformats.org/markup-compatibility/2006">
-        <mc:Choice xmlns:a14="http://schemas.microsoft.com/office/drawing/2010/main" Requires="a14">
+      <mc:AlternateContent xmlns:mc="http://schemas.openxmlformats.org/markup-compatibility/2006" xmlns:a14="http://schemas.microsoft.com/office/drawing/2010/main">
+        <mc:Choice Requires="a14">
           <p:sp>
             <p:nvSpPr>
               <p:cNvPr id="168" name="TextBox 41"/>
@@ -23797,7 +23796,7 @@
             </p:txBody>
           </p:sp>
         </mc:Choice>
-        <mc:Fallback>
+        <mc:Fallback xmlns="">
           <p:sp>
             <p:nvSpPr>
               <p:cNvPr id="168" name="TextBox 41"/>
@@ -26349,8 +26348,8 @@
             </p:spPr>
           </p:pic>
         </p:grpSp>
-        <mc:AlternateContent xmlns:mc="http://schemas.openxmlformats.org/markup-compatibility/2006">
-          <mc:Choice xmlns:a14="http://schemas.microsoft.com/office/drawing/2010/main" Requires="a14">
+        <mc:AlternateContent xmlns:mc="http://schemas.openxmlformats.org/markup-compatibility/2006" xmlns:a14="http://schemas.microsoft.com/office/drawing/2010/main">
+          <mc:Choice Requires="a14">
             <p:sp>
               <p:nvSpPr>
                 <p:cNvPr id="173" name="线形标注 2(带强调线) 4"/>
@@ -26510,7 +26509,7 @@
               </p:txBody>
             </p:sp>
           </mc:Choice>
-          <mc:Fallback>
+          <mc:Fallback xmlns="">
             <p:sp>
               <p:nvSpPr>
                 <p:cNvPr id="173" name="线形标注 2(带强调线) 4"/>
@@ -30004,8 +30003,8 @@
             </p:spPr>
           </p:pic>
         </p:grpSp>
-        <mc:AlternateContent xmlns:mc="http://schemas.openxmlformats.org/markup-compatibility/2006">
-          <mc:Choice xmlns:a14="http://schemas.microsoft.com/office/drawing/2010/main" Requires="a14">
+        <mc:AlternateContent xmlns:mc="http://schemas.openxmlformats.org/markup-compatibility/2006" xmlns:a14="http://schemas.microsoft.com/office/drawing/2010/main">
+          <mc:Choice Requires="a14">
             <p:sp>
               <p:nvSpPr>
                 <p:cNvPr id="91" name="线形标注 2(带强调线) 4"/>
@@ -30165,7 +30164,7 @@
               </p:txBody>
             </p:sp>
           </mc:Choice>
-          <mc:Fallback>
+          <mc:Fallback xmlns="">
             <p:sp>
               <p:nvSpPr>
                 <p:cNvPr id="91" name="线形标注 2(带强调线) 4"/>
@@ -32835,8 +32834,8 @@
             </p:spPr>
           </p:pic>
         </p:grpSp>
-        <mc:AlternateContent xmlns:mc="http://schemas.openxmlformats.org/markup-compatibility/2006">
-          <mc:Choice xmlns:a14="http://schemas.microsoft.com/office/drawing/2010/main" Requires="a14">
+        <mc:AlternateContent xmlns:mc="http://schemas.openxmlformats.org/markup-compatibility/2006" xmlns:a14="http://schemas.microsoft.com/office/drawing/2010/main">
+          <mc:Choice Requires="a14">
             <p:sp>
               <p:nvSpPr>
                 <p:cNvPr id="173" name="线形标注 2(带强调线) 4"/>
@@ -32996,7 +32995,7 @@
               </p:txBody>
             </p:sp>
           </mc:Choice>
-          <mc:Fallback>
+          <mc:Fallback xmlns="">
             <p:sp>
               <p:nvSpPr>
                 <p:cNvPr id="173" name="线形标注 2(带强调线) 4"/>
@@ -34874,8 +34873,8 @@
           </a:p>
         </p:txBody>
       </p:sp>
-      <mc:AlternateContent xmlns:mc="http://schemas.openxmlformats.org/markup-compatibility/2006">
-        <mc:Choice xmlns:a14="http://schemas.microsoft.com/office/drawing/2010/main" Requires="a14">
+      <mc:AlternateContent xmlns:mc="http://schemas.openxmlformats.org/markup-compatibility/2006" xmlns:a14="http://schemas.microsoft.com/office/drawing/2010/main">
+        <mc:Choice Requires="a14">
           <p:sp>
             <p:nvSpPr>
               <p:cNvPr id="278" name="TextBox 41"/>
@@ -34911,17 +34910,7 @@
                     <a:latin typeface="微软雅黑" pitchFamily="34" charset="-122"/>
                     <a:ea typeface="微软雅黑" pitchFamily="34" charset="-122"/>
                   </a:rPr>
-                  <a:t>求</a:t>
-                </a:r>
-                <a:r>
-                  <a:rPr lang="zh-CN" altLang="en-US" dirty="0" smtClean="0">
-                    <a:solidFill>
-                      <a:srgbClr val="414455"/>
-                    </a:solidFill>
-                    <a:latin typeface="微软雅黑" pitchFamily="34" charset="-122"/>
-                    <a:ea typeface="微软雅黑" pitchFamily="34" charset="-122"/>
-                  </a:rPr>
-                  <a:t>平均值得到</a:t>
+                  <a:t>求平均值得到</a:t>
                 </a:r>
                 <a:r>
                   <a:rPr lang="zh-CN" altLang="en-US" dirty="0">
@@ -35014,7 +35003,7 @@
             </p:txBody>
           </p:sp>
         </mc:Choice>
-        <mc:Fallback>
+        <mc:Fallback xmlns="">
           <p:sp>
             <p:nvSpPr>
               <p:cNvPr id="278" name="TextBox 41"/>
@@ -36673,7 +36662,7 @@
         </p:nvGraphicFramePr>
         <p:xfrm>
           <a:off x="1369703" y="1581186"/>
-          <a:ext cx="7000574" cy="4487590"/>
+          <a:ext cx="7000574" cy="4572207"/>
         </p:xfrm>
         <a:graphic>
           <a:graphicData uri="http://schemas.openxmlformats.org/drawingml/2006/table">
@@ -39671,8 +39660,8 @@
           </p:style>
         </p:cxnSp>
       </p:grpSp>
-      <mc:AlternateContent xmlns:mc="http://schemas.openxmlformats.org/markup-compatibility/2006">
-        <mc:Choice xmlns:a14="http://schemas.microsoft.com/office/drawing/2010/main" Requires="a14">
+      <mc:AlternateContent xmlns:mc="http://schemas.openxmlformats.org/markup-compatibility/2006" xmlns:a14="http://schemas.microsoft.com/office/drawing/2010/main">
+        <mc:Choice Requires="a14">
           <p:sp>
             <p:nvSpPr>
               <p:cNvPr id="42" name="文本框 41"/>
@@ -39695,6 +39684,7 @@
               </a:bodyPr>
               <a:lstStyle/>
               <a:p>
+                <a:pPr/>
                 <a14:m>
                   <m:oMathPara xmlns:m="http://schemas.openxmlformats.org/officeDocument/2006/math">
                     <m:oMathParaPr>
@@ -39714,14 +39704,18 @@
                         <m:t>=</m:t>
                       </m:r>
                       <m:r>
-                        <a:rPr lang="en-US" altLang="zh-CN" sz="1400"/>
+                        <a:rPr lang="en-US" altLang="zh-CN" sz="1400">
+                          <a:latin typeface="Cambria Math" panose="02040503050406030204" pitchFamily="18" charset="0"/>
+                        </a:rPr>
                         <m:t>(0</m:t>
                       </m:r>
                       <m:r>
                         <m:rPr>
                           <m:sty m:val="p"/>
                         </m:rPr>
-                        <a:rPr lang="en-US" altLang="zh-CN" sz="1400"/>
+                        <a:rPr lang="en-US" altLang="zh-CN" sz="1400">
+                          <a:latin typeface="Cambria Math" panose="02040503050406030204" pitchFamily="18" charset="0"/>
+                        </a:rPr>
                         <m:t>x</m:t>
                       </m:r>
                       <m:r>
@@ -39729,18 +39723,23 @@
                           <a:solidFill>
                             <a:srgbClr val="FF0000"/>
                           </a:solidFill>
+                          <a:latin typeface="Cambria Math" panose="02040503050406030204" pitchFamily="18" charset="0"/>
                         </a:rPr>
                         <m:t>0</m:t>
                       </m:r>
                       <m:r>
-                        <a:rPr lang="en-US" altLang="zh-CN" sz="1400"/>
+                        <a:rPr lang="en-US" altLang="zh-CN" sz="1400">
+                          <a:latin typeface="Cambria Math" panose="02040503050406030204" pitchFamily="18" charset="0"/>
+                        </a:rPr>
                         <m:t>0,0</m:t>
                       </m:r>
                       <m:r>
                         <m:rPr>
                           <m:sty m:val="p"/>
                         </m:rPr>
-                        <a:rPr lang="en-US" altLang="zh-CN" sz="1400"/>
+                        <a:rPr lang="en-US" altLang="zh-CN" sz="1400">
+                          <a:latin typeface="Cambria Math" panose="02040503050406030204" pitchFamily="18" charset="0"/>
+                        </a:rPr>
                         <m:t>x</m:t>
                       </m:r>
                       <m:r>
@@ -39748,18 +39747,23 @@
                           <a:solidFill>
                             <a:srgbClr val="FF0000"/>
                           </a:solidFill>
+                          <a:latin typeface="Cambria Math" panose="02040503050406030204" pitchFamily="18" charset="0"/>
                         </a:rPr>
                         <m:t>1</m:t>
                       </m:r>
                       <m:r>
-                        <a:rPr lang="en-US" altLang="zh-CN" sz="1400"/>
+                        <a:rPr lang="en-US" altLang="zh-CN" sz="1400">
+                          <a:latin typeface="Cambria Math" panose="02040503050406030204" pitchFamily="18" charset="0"/>
+                        </a:rPr>
                         <m:t>1,0</m:t>
                       </m:r>
                       <m:r>
                         <m:rPr>
                           <m:sty m:val="p"/>
                         </m:rPr>
-                        <a:rPr lang="en-US" altLang="zh-CN" sz="1400"/>
+                        <a:rPr lang="en-US" altLang="zh-CN" sz="1400">
+                          <a:latin typeface="Cambria Math" panose="02040503050406030204" pitchFamily="18" charset="0"/>
+                        </a:rPr>
                         <m:t>x</m:t>
                       </m:r>
                       <m:r>
@@ -39767,18 +39771,23 @@
                           <a:solidFill>
                             <a:srgbClr val="FF0000"/>
                           </a:solidFill>
+                          <a:latin typeface="Cambria Math" panose="02040503050406030204" pitchFamily="18" charset="0"/>
                         </a:rPr>
                         <m:t>2</m:t>
                       </m:r>
                       <m:r>
-                        <a:rPr lang="en-US" altLang="zh-CN" sz="1400"/>
+                        <a:rPr lang="en-US" altLang="zh-CN" sz="1400">
+                          <a:latin typeface="Cambria Math" panose="02040503050406030204" pitchFamily="18" charset="0"/>
+                        </a:rPr>
                         <m:t>2,0</m:t>
                       </m:r>
                       <m:r>
                         <m:rPr>
                           <m:sty m:val="p"/>
                         </m:rPr>
-                        <a:rPr lang="en-US" altLang="zh-CN" sz="1400"/>
+                        <a:rPr lang="en-US" altLang="zh-CN" sz="1400">
+                          <a:latin typeface="Cambria Math" panose="02040503050406030204" pitchFamily="18" charset="0"/>
+                        </a:rPr>
                         <m:t>x</m:t>
                       </m:r>
                       <m:r>
@@ -39786,18 +39795,23 @@
                           <a:solidFill>
                             <a:srgbClr val="FF0000"/>
                           </a:solidFill>
+                          <a:latin typeface="Cambria Math" panose="02040503050406030204" pitchFamily="18" charset="0"/>
                         </a:rPr>
                         <m:t>3</m:t>
                       </m:r>
                       <m:r>
-                        <a:rPr lang="en-US" altLang="zh-CN" sz="1400"/>
+                        <a:rPr lang="en-US" altLang="zh-CN" sz="1400">
+                          <a:latin typeface="Cambria Math" panose="02040503050406030204" pitchFamily="18" charset="0"/>
+                        </a:rPr>
                         <m:t>3,0</m:t>
                       </m:r>
                       <m:r>
                         <m:rPr>
                           <m:sty m:val="p"/>
                         </m:rPr>
-                        <a:rPr lang="en-US" altLang="zh-CN" sz="1400"/>
+                        <a:rPr lang="en-US" altLang="zh-CN" sz="1400">
+                          <a:latin typeface="Cambria Math" panose="02040503050406030204" pitchFamily="18" charset="0"/>
+                        </a:rPr>
                         <m:t>x</m:t>
                       </m:r>
                       <m:r>
@@ -39805,18 +39819,23 @@
                           <a:solidFill>
                             <a:srgbClr val="FF0000"/>
                           </a:solidFill>
+                          <a:latin typeface="Cambria Math" panose="02040503050406030204" pitchFamily="18" charset="0"/>
                         </a:rPr>
                         <m:t>4</m:t>
                       </m:r>
                       <m:r>
-                        <a:rPr lang="en-US" altLang="zh-CN" sz="1400"/>
+                        <a:rPr lang="en-US" altLang="zh-CN" sz="1400">
+                          <a:latin typeface="Cambria Math" panose="02040503050406030204" pitchFamily="18" charset="0"/>
+                        </a:rPr>
                         <m:t>4,0</m:t>
                       </m:r>
                       <m:r>
                         <m:rPr>
                           <m:sty m:val="p"/>
                         </m:rPr>
-                        <a:rPr lang="en-US" altLang="zh-CN" sz="1400"/>
+                        <a:rPr lang="en-US" altLang="zh-CN" sz="1400">
+                          <a:latin typeface="Cambria Math" panose="02040503050406030204" pitchFamily="18" charset="0"/>
+                        </a:rPr>
                         <m:t>x</m:t>
                       </m:r>
                       <m:r>
@@ -39824,18 +39843,23 @@
                           <a:solidFill>
                             <a:srgbClr val="FF0000"/>
                           </a:solidFill>
+                          <a:latin typeface="Cambria Math" panose="02040503050406030204" pitchFamily="18" charset="0"/>
                         </a:rPr>
                         <m:t>5</m:t>
                       </m:r>
                       <m:r>
-                        <a:rPr lang="en-US" altLang="zh-CN" sz="1400"/>
+                        <a:rPr lang="en-US" altLang="zh-CN" sz="1400">
+                          <a:latin typeface="Cambria Math" panose="02040503050406030204" pitchFamily="18" charset="0"/>
+                        </a:rPr>
                         <m:t>5,0</m:t>
                       </m:r>
                       <m:r>
                         <m:rPr>
                           <m:sty m:val="p"/>
                         </m:rPr>
-                        <a:rPr lang="en-US" altLang="zh-CN" sz="1400"/>
+                        <a:rPr lang="en-US" altLang="zh-CN" sz="1400">
+                          <a:latin typeface="Cambria Math" panose="02040503050406030204" pitchFamily="18" charset="0"/>
+                        </a:rPr>
                         <m:t>x</m:t>
                       </m:r>
                       <m:r>
@@ -39843,18 +39867,23 @@
                           <a:solidFill>
                             <a:srgbClr val="FF0000"/>
                           </a:solidFill>
+                          <a:latin typeface="Cambria Math" panose="02040503050406030204" pitchFamily="18" charset="0"/>
                         </a:rPr>
                         <m:t>6</m:t>
                       </m:r>
                       <m:r>
-                        <a:rPr lang="en-US" altLang="zh-CN" sz="1400"/>
+                        <a:rPr lang="en-US" altLang="zh-CN" sz="1400">
+                          <a:latin typeface="Cambria Math" panose="02040503050406030204" pitchFamily="18" charset="0"/>
+                        </a:rPr>
                         <m:t>6,0</m:t>
                       </m:r>
                       <m:r>
                         <m:rPr>
                           <m:sty m:val="p"/>
                         </m:rPr>
-                        <a:rPr lang="en-US" altLang="zh-CN" sz="1400"/>
+                        <a:rPr lang="en-US" altLang="zh-CN" sz="1400">
+                          <a:latin typeface="Cambria Math" panose="02040503050406030204" pitchFamily="18" charset="0"/>
+                        </a:rPr>
                         <m:t>x</m:t>
                       </m:r>
                       <m:r>
@@ -39862,18 +39891,23 @@
                           <a:solidFill>
                             <a:srgbClr val="FF0000"/>
                           </a:solidFill>
+                          <a:latin typeface="Cambria Math" panose="02040503050406030204" pitchFamily="18" charset="0"/>
                         </a:rPr>
                         <m:t>7</m:t>
                       </m:r>
                       <m:r>
-                        <a:rPr lang="en-US" altLang="zh-CN" sz="1400"/>
+                        <a:rPr lang="en-US" altLang="zh-CN" sz="1400">
+                          <a:latin typeface="Cambria Math" panose="02040503050406030204" pitchFamily="18" charset="0"/>
+                        </a:rPr>
                         <m:t>7,0</m:t>
                       </m:r>
                       <m:r>
                         <m:rPr>
                           <m:sty m:val="p"/>
                         </m:rPr>
-                        <a:rPr lang="en-US" altLang="zh-CN" sz="1400"/>
+                        <a:rPr lang="en-US" altLang="zh-CN" sz="1400">
+                          <a:latin typeface="Cambria Math" panose="02040503050406030204" pitchFamily="18" charset="0"/>
+                        </a:rPr>
                         <m:t>x</m:t>
                       </m:r>
                       <m:r>
@@ -39881,18 +39915,23 @@
                           <a:solidFill>
                             <a:srgbClr val="FF0000"/>
                           </a:solidFill>
+                          <a:latin typeface="Cambria Math" panose="02040503050406030204" pitchFamily="18" charset="0"/>
                         </a:rPr>
                         <m:t>0</m:t>
                       </m:r>
                       <m:r>
-                        <a:rPr lang="en-US" altLang="zh-CN" sz="1400"/>
+                        <a:rPr lang="en-US" altLang="zh-CN" sz="1400">
+                          <a:latin typeface="Cambria Math" panose="02040503050406030204" pitchFamily="18" charset="0"/>
+                        </a:rPr>
                         <m:t>0,0</m:t>
                       </m:r>
                       <m:r>
                         <m:rPr>
                           <m:sty m:val="p"/>
                         </m:rPr>
-                        <a:rPr lang="en-US" altLang="zh-CN" sz="1400"/>
+                        <a:rPr lang="en-US" altLang="zh-CN" sz="1400">
+                          <a:latin typeface="Cambria Math" panose="02040503050406030204" pitchFamily="18" charset="0"/>
+                        </a:rPr>
                         <m:t>x</m:t>
                       </m:r>
                       <m:r>
@@ -39900,18 +39939,23 @@
                           <a:solidFill>
                             <a:srgbClr val="FF0000"/>
                           </a:solidFill>
+                          <a:latin typeface="Cambria Math" panose="02040503050406030204" pitchFamily="18" charset="0"/>
                         </a:rPr>
                         <m:t>1</m:t>
                       </m:r>
                       <m:r>
-                        <a:rPr lang="en-US" altLang="zh-CN" sz="1400"/>
+                        <a:rPr lang="en-US" altLang="zh-CN" sz="1400">
+                          <a:latin typeface="Cambria Math" panose="02040503050406030204" pitchFamily="18" charset="0"/>
+                        </a:rPr>
                         <m:t>1,0</m:t>
                       </m:r>
                       <m:r>
                         <m:rPr>
                           <m:sty m:val="p"/>
                         </m:rPr>
-                        <a:rPr lang="en-US" altLang="zh-CN" sz="1400"/>
+                        <a:rPr lang="en-US" altLang="zh-CN" sz="1400">
+                          <a:latin typeface="Cambria Math" panose="02040503050406030204" pitchFamily="18" charset="0"/>
+                        </a:rPr>
                         <m:t>x</m:t>
                       </m:r>
                       <m:r>
@@ -39919,18 +39963,23 @@
                           <a:solidFill>
                             <a:srgbClr val="FF0000"/>
                           </a:solidFill>
+                          <a:latin typeface="Cambria Math" panose="02040503050406030204" pitchFamily="18" charset="0"/>
                         </a:rPr>
                         <m:t>2</m:t>
                       </m:r>
                       <m:r>
-                        <a:rPr lang="en-US" altLang="zh-CN" sz="1400"/>
+                        <a:rPr lang="en-US" altLang="zh-CN" sz="1400">
+                          <a:latin typeface="Cambria Math" panose="02040503050406030204" pitchFamily="18" charset="0"/>
+                        </a:rPr>
                         <m:t>2,0</m:t>
                       </m:r>
                       <m:r>
                         <m:rPr>
                           <m:sty m:val="p"/>
                         </m:rPr>
-                        <a:rPr lang="en-US" altLang="zh-CN" sz="1400"/>
+                        <a:rPr lang="en-US" altLang="zh-CN" sz="1400">
+                          <a:latin typeface="Cambria Math" panose="02040503050406030204" pitchFamily="18" charset="0"/>
+                        </a:rPr>
                         <m:t>x</m:t>
                       </m:r>
                       <m:r>
@@ -39938,18 +39987,23 @@
                           <a:solidFill>
                             <a:srgbClr val="FF0000"/>
                           </a:solidFill>
+                          <a:latin typeface="Cambria Math" panose="02040503050406030204" pitchFamily="18" charset="0"/>
                         </a:rPr>
                         <m:t>3</m:t>
                       </m:r>
                       <m:r>
-                        <a:rPr lang="en-US" altLang="zh-CN" sz="1400"/>
+                        <a:rPr lang="en-US" altLang="zh-CN" sz="1400">
+                          <a:latin typeface="Cambria Math" panose="02040503050406030204" pitchFamily="18" charset="0"/>
+                        </a:rPr>
                         <m:t>3,0</m:t>
                       </m:r>
                       <m:r>
                         <m:rPr>
                           <m:sty m:val="p"/>
                         </m:rPr>
-                        <a:rPr lang="en-US" altLang="zh-CN" sz="1400"/>
+                        <a:rPr lang="en-US" altLang="zh-CN" sz="1400">
+                          <a:latin typeface="Cambria Math" panose="02040503050406030204" pitchFamily="18" charset="0"/>
+                        </a:rPr>
                         <m:t>x</m:t>
                       </m:r>
                       <m:r>
@@ -39957,18 +40011,23 @@
                           <a:solidFill>
                             <a:srgbClr val="FF0000"/>
                           </a:solidFill>
+                          <a:latin typeface="Cambria Math" panose="02040503050406030204" pitchFamily="18" charset="0"/>
                         </a:rPr>
                         <m:t>4</m:t>
                       </m:r>
                       <m:r>
-                        <a:rPr lang="en-US" altLang="zh-CN" sz="1400"/>
+                        <a:rPr lang="en-US" altLang="zh-CN" sz="1400">
+                          <a:latin typeface="Cambria Math" panose="02040503050406030204" pitchFamily="18" charset="0"/>
+                        </a:rPr>
                         <m:t>4,0</m:t>
                       </m:r>
                       <m:r>
                         <m:rPr>
                           <m:sty m:val="p"/>
                         </m:rPr>
-                        <a:rPr lang="en-US" altLang="zh-CN" sz="1400"/>
+                        <a:rPr lang="en-US" altLang="zh-CN" sz="1400">
+                          <a:latin typeface="Cambria Math" panose="02040503050406030204" pitchFamily="18" charset="0"/>
+                        </a:rPr>
                         <m:t>x</m:t>
                       </m:r>
                       <m:r>
@@ -39976,18 +40035,23 @@
                           <a:solidFill>
                             <a:srgbClr val="FF0000"/>
                           </a:solidFill>
+                          <a:latin typeface="Cambria Math" panose="02040503050406030204" pitchFamily="18" charset="0"/>
                         </a:rPr>
                         <m:t>5</m:t>
                       </m:r>
                       <m:r>
-                        <a:rPr lang="en-US" altLang="zh-CN" sz="1400"/>
+                        <a:rPr lang="en-US" altLang="zh-CN" sz="1400">
+                          <a:latin typeface="Cambria Math" panose="02040503050406030204" pitchFamily="18" charset="0"/>
+                        </a:rPr>
                         <m:t>5,0</m:t>
                       </m:r>
                       <m:r>
                         <m:rPr>
                           <m:sty m:val="p"/>
                         </m:rPr>
-                        <a:rPr lang="en-US" altLang="zh-CN" sz="1400"/>
+                        <a:rPr lang="en-US" altLang="zh-CN" sz="1400">
+                          <a:latin typeface="Cambria Math" panose="02040503050406030204" pitchFamily="18" charset="0"/>
+                        </a:rPr>
                         <m:t>x</m:t>
                       </m:r>
                       <m:r>
@@ -39995,18 +40059,23 @@
                           <a:solidFill>
                             <a:srgbClr val="FF0000"/>
                           </a:solidFill>
+                          <a:latin typeface="Cambria Math" panose="02040503050406030204" pitchFamily="18" charset="0"/>
                         </a:rPr>
                         <m:t>6</m:t>
                       </m:r>
                       <m:r>
-                        <a:rPr lang="en-US" altLang="zh-CN" sz="1400"/>
+                        <a:rPr lang="en-US" altLang="zh-CN" sz="1400">
+                          <a:latin typeface="Cambria Math" panose="02040503050406030204" pitchFamily="18" charset="0"/>
+                        </a:rPr>
                         <m:t>6,0</m:t>
                       </m:r>
                       <m:r>
                         <m:rPr>
                           <m:sty m:val="p"/>
                         </m:rPr>
-                        <a:rPr lang="en-US" altLang="zh-CN" sz="1400"/>
+                        <a:rPr lang="en-US" altLang="zh-CN" sz="1400">
+                          <a:latin typeface="Cambria Math" panose="02040503050406030204" pitchFamily="18" charset="0"/>
+                        </a:rPr>
                         <m:t>x</m:t>
                       </m:r>
                       <m:r>
@@ -40014,11 +40083,14 @@
                           <a:solidFill>
                             <a:srgbClr val="FF0000"/>
                           </a:solidFill>
+                          <a:latin typeface="Cambria Math" panose="02040503050406030204" pitchFamily="18" charset="0"/>
                         </a:rPr>
                         <m:t>7</m:t>
                       </m:r>
                       <m:r>
-                        <a:rPr lang="en-US" altLang="zh-CN" sz="1400"/>
+                        <a:rPr lang="en-US" altLang="zh-CN" sz="1400">
+                          <a:latin typeface="Cambria Math" panose="02040503050406030204" pitchFamily="18" charset="0"/>
+                        </a:rPr>
                         <m:t>7)</m:t>
                       </m:r>
                     </m:oMath>
@@ -40029,7 +40101,7 @@
             </p:txBody>
           </p:sp>
         </mc:Choice>
-        <mc:Fallback>
+        <mc:Fallback xmlns="">
           <p:sp>
             <p:nvSpPr>
               <p:cNvPr id="42" name="文本框 41"/>
@@ -40068,37 +40140,6 @@
           </p:sp>
         </mc:Fallback>
       </mc:AlternateContent>
-      <p:sp>
-        <p:nvSpPr>
-          <p:cNvPr id="43" name="页脚占位符 42"/>
-          <p:cNvSpPr>
-            <a:spLocks noGrp="1"/>
-          </p:cNvSpPr>
-          <p:nvPr>
-            <p:ph type="ftr" sz="quarter" idx="11"/>
-          </p:nvPr>
-        </p:nvSpPr>
-        <p:spPr/>
-        <p:txBody>
-          <a:bodyPr/>
-          <a:lstStyle/>
-          <a:p>
-            <a:r>
-              <a:rPr lang="zh-CN" altLang="en-US" smtClean="0"/>
-              <a:t>共</a:t>
-            </a:r>
-            <a:r>
-              <a:rPr lang="en-US" altLang="zh-CN" smtClean="0"/>
-              <a:t>38</a:t>
-            </a:r>
-            <a:r>
-              <a:rPr lang="zh-CN" altLang="en-US" smtClean="0"/>
-              <a:t>页</a:t>
-            </a:r>
-            <a:endParaRPr lang="zh-CN" altLang="en-US"/>
-          </a:p>
-        </p:txBody>
-      </p:sp>
     </p:spTree>
     <p:extLst>
       <p:ext uri="{BB962C8B-B14F-4D97-AF65-F5344CB8AC3E}">
@@ -40136,8 +40177,8 @@
           <a:chExt cx="0" cy="0"/>
         </a:xfrm>
       </p:grpSpPr>
-      <mc:AlternateContent xmlns:mc="http://schemas.openxmlformats.org/markup-compatibility/2006">
-        <mc:Choice xmlns:a14="http://schemas.microsoft.com/office/drawing/2010/main" Requires="a14">
+      <mc:AlternateContent xmlns:mc="http://schemas.openxmlformats.org/markup-compatibility/2006" xmlns:a14="http://schemas.microsoft.com/office/drawing/2010/main">
+        <mc:Choice Requires="a14">
           <p:sp>
             <p:nvSpPr>
               <p:cNvPr id="2" name="标题 1"/>
@@ -40327,7 +40368,7 @@
             </p:txBody>
           </p:sp>
         </mc:Choice>
-        <mc:Fallback>
+        <mc:Fallback xmlns="">
           <p:sp>
             <p:nvSpPr>
               <p:cNvPr id="2" name="标题 1"/>
@@ -40417,8 +40458,8 @@
           </a:prstGeom>
         </p:spPr>
       </p:pic>
-      <mc:AlternateContent xmlns:mc="http://schemas.openxmlformats.org/markup-compatibility/2006">
-        <mc:Choice xmlns:a14="http://schemas.microsoft.com/office/drawing/2010/main" Requires="a14">
+      <mc:AlternateContent xmlns:mc="http://schemas.openxmlformats.org/markup-compatibility/2006" xmlns:a14="http://schemas.microsoft.com/office/drawing/2010/main">
+        <mc:Choice Requires="a14">
           <p:sp>
             <p:nvSpPr>
               <p:cNvPr id="10" name="文本框 9"/>
@@ -40441,6 +40482,7 @@
               </a:bodyPr>
               <a:lstStyle/>
               <a:p>
+                <a:pPr/>
                 <a14:m>
                   <m:oMathPara xmlns:m="http://schemas.openxmlformats.org/officeDocument/2006/math">
                     <m:oMathParaPr>
@@ -40460,7 +40502,9 @@
                         <m:t>=</m:t>
                       </m:r>
                       <m:r>
-                        <a:rPr lang="en-US" altLang="zh-CN" sz="1400"/>
+                        <a:rPr lang="en-US" altLang="zh-CN" sz="1400">
+                          <a:latin typeface="Cambria Math" panose="02040503050406030204" pitchFamily="18" charset="0"/>
+                        </a:rPr>
                         <m:t>(</m:t>
                       </m:r>
                       <m:r>
@@ -40468,6 +40512,7 @@
                           <a:solidFill>
                             <a:schemeClr val="tx1"/>
                           </a:solidFill>
+                          <a:latin typeface="Cambria Math" panose="02040503050406030204" pitchFamily="18" charset="0"/>
                         </a:rPr>
                         <m:t>0</m:t>
                       </m:r>
@@ -40479,6 +40524,7 @@
                           <a:solidFill>
                             <a:schemeClr val="tx1"/>
                           </a:solidFill>
+                          <a:latin typeface="Cambria Math" panose="02040503050406030204" pitchFamily="18" charset="0"/>
                         </a:rPr>
                         <m:t>x</m:t>
                       </m:r>
@@ -40487,6 +40533,7 @@
                           <a:solidFill>
                             <a:srgbClr val="FF0000"/>
                           </a:solidFill>
+                          <a:latin typeface="Cambria Math" panose="02040503050406030204" pitchFamily="18" charset="0"/>
                         </a:rPr>
                         <m:t>0</m:t>
                       </m:r>
@@ -40495,6 +40542,7 @@
                           <a:solidFill>
                             <a:schemeClr val="tx1"/>
                           </a:solidFill>
+                          <a:latin typeface="Cambria Math" panose="02040503050406030204" pitchFamily="18" charset="0"/>
                         </a:rPr>
                         <m:t>0,0</m:t>
                       </m:r>
@@ -40506,6 +40554,7 @@
                           <a:solidFill>
                             <a:schemeClr val="tx1"/>
                           </a:solidFill>
+                          <a:latin typeface="Cambria Math" panose="02040503050406030204" pitchFamily="18" charset="0"/>
                         </a:rPr>
                         <m:t>x</m:t>
                       </m:r>
@@ -40514,6 +40563,7 @@
                           <a:solidFill>
                             <a:schemeClr val="tx1"/>
                           </a:solidFill>
+                          <a:latin typeface="Cambria Math" panose="02040503050406030204" pitchFamily="18" charset="0"/>
                         </a:rPr>
                         <m:t>1</m:t>
                       </m:r>
@@ -40522,6 +40572,7 @@
                           <a:solidFill>
                             <a:schemeClr val="tx1"/>
                           </a:solidFill>
+                          <a:latin typeface="Cambria Math" panose="02040503050406030204" pitchFamily="18" charset="0"/>
                         </a:rPr>
                         <m:t>1,0</m:t>
                       </m:r>
@@ -40533,6 +40584,7 @@
                           <a:solidFill>
                             <a:schemeClr val="tx1"/>
                           </a:solidFill>
+                          <a:latin typeface="Cambria Math" panose="02040503050406030204" pitchFamily="18" charset="0"/>
                         </a:rPr>
                         <m:t>x</m:t>
                       </m:r>
@@ -40541,6 +40593,7 @@
                           <a:solidFill>
                             <a:schemeClr val="tx1"/>
                           </a:solidFill>
+                          <a:latin typeface="Cambria Math" panose="02040503050406030204" pitchFamily="18" charset="0"/>
                         </a:rPr>
                         <m:t>2</m:t>
                       </m:r>
@@ -40549,6 +40602,7 @@
                           <a:solidFill>
                             <a:schemeClr val="tx1"/>
                           </a:solidFill>
+                          <a:latin typeface="Cambria Math" panose="02040503050406030204" pitchFamily="18" charset="0"/>
                         </a:rPr>
                         <m:t>2,0</m:t>
                       </m:r>
@@ -40560,6 +40614,7 @@
                           <a:solidFill>
                             <a:schemeClr val="tx1"/>
                           </a:solidFill>
+                          <a:latin typeface="Cambria Math" panose="02040503050406030204" pitchFamily="18" charset="0"/>
                         </a:rPr>
                         <m:t>x</m:t>
                       </m:r>
@@ -40568,6 +40623,7 @@
                           <a:solidFill>
                             <a:schemeClr val="tx1"/>
                           </a:solidFill>
+                          <a:latin typeface="Cambria Math" panose="02040503050406030204" pitchFamily="18" charset="0"/>
                         </a:rPr>
                         <m:t>3</m:t>
                       </m:r>
@@ -40576,6 +40632,7 @@
                           <a:solidFill>
                             <a:schemeClr val="tx1"/>
                           </a:solidFill>
+                          <a:latin typeface="Cambria Math" panose="02040503050406030204" pitchFamily="18" charset="0"/>
                         </a:rPr>
                         <m:t>3,0</m:t>
                       </m:r>
@@ -40587,6 +40644,7 @@
                           <a:solidFill>
                             <a:schemeClr val="tx1"/>
                           </a:solidFill>
+                          <a:latin typeface="Cambria Math" panose="02040503050406030204" pitchFamily="18" charset="0"/>
                         </a:rPr>
                         <m:t>x</m:t>
                       </m:r>
@@ -40595,6 +40653,7 @@
                           <a:solidFill>
                             <a:schemeClr val="tx1"/>
                           </a:solidFill>
+                          <a:latin typeface="Cambria Math" panose="02040503050406030204" pitchFamily="18" charset="0"/>
                         </a:rPr>
                         <m:t>4</m:t>
                       </m:r>
@@ -40603,6 +40662,7 @@
                           <a:solidFill>
                             <a:schemeClr val="tx1"/>
                           </a:solidFill>
+                          <a:latin typeface="Cambria Math" panose="02040503050406030204" pitchFamily="18" charset="0"/>
                         </a:rPr>
                         <m:t>4,0</m:t>
                       </m:r>
@@ -40614,6 +40674,7 @@
                           <a:solidFill>
                             <a:schemeClr val="tx1"/>
                           </a:solidFill>
+                          <a:latin typeface="Cambria Math" panose="02040503050406030204" pitchFamily="18" charset="0"/>
                         </a:rPr>
                         <m:t>x</m:t>
                       </m:r>
@@ -40622,6 +40683,7 @@
                           <a:solidFill>
                             <a:srgbClr val="FF0000"/>
                           </a:solidFill>
+                          <a:latin typeface="Cambria Math" panose="02040503050406030204" pitchFamily="18" charset="0"/>
                         </a:rPr>
                         <m:t>5</m:t>
                       </m:r>
@@ -40630,6 +40692,7 @@
                           <a:solidFill>
                             <a:schemeClr val="tx1"/>
                           </a:solidFill>
+                          <a:latin typeface="Cambria Math" panose="02040503050406030204" pitchFamily="18" charset="0"/>
                         </a:rPr>
                         <m:t>5,0</m:t>
                       </m:r>
@@ -40641,6 +40704,7 @@
                           <a:solidFill>
                             <a:schemeClr val="tx1"/>
                           </a:solidFill>
+                          <a:latin typeface="Cambria Math" panose="02040503050406030204" pitchFamily="18" charset="0"/>
                         </a:rPr>
                         <m:t>x</m:t>
                       </m:r>
@@ -40649,6 +40713,7 @@
                           <a:solidFill>
                             <a:schemeClr val="tx1"/>
                           </a:solidFill>
+                          <a:latin typeface="Cambria Math" panose="02040503050406030204" pitchFamily="18" charset="0"/>
                         </a:rPr>
                         <m:t>6</m:t>
                       </m:r>
@@ -40657,6 +40722,7 @@
                           <a:solidFill>
                             <a:schemeClr val="tx1"/>
                           </a:solidFill>
+                          <a:latin typeface="Cambria Math" panose="02040503050406030204" pitchFamily="18" charset="0"/>
                         </a:rPr>
                         <m:t>6,0</m:t>
                       </m:r>
@@ -40668,6 +40734,7 @@
                           <a:solidFill>
                             <a:schemeClr val="tx1"/>
                           </a:solidFill>
+                          <a:latin typeface="Cambria Math" panose="02040503050406030204" pitchFamily="18" charset="0"/>
                         </a:rPr>
                         <m:t>x</m:t>
                       </m:r>
@@ -40676,6 +40743,7 @@
                           <a:solidFill>
                             <a:schemeClr val="tx1"/>
                           </a:solidFill>
+                          <a:latin typeface="Cambria Math" panose="02040503050406030204" pitchFamily="18" charset="0"/>
                         </a:rPr>
                         <m:t>7</m:t>
                       </m:r>
@@ -40684,6 +40752,7 @@
                           <a:solidFill>
                             <a:schemeClr val="tx1"/>
                           </a:solidFill>
+                          <a:latin typeface="Cambria Math" panose="02040503050406030204" pitchFamily="18" charset="0"/>
                         </a:rPr>
                         <m:t>7,0</m:t>
                       </m:r>
@@ -40695,6 +40764,7 @@
                           <a:solidFill>
                             <a:schemeClr val="tx1"/>
                           </a:solidFill>
+                          <a:latin typeface="Cambria Math" panose="02040503050406030204" pitchFamily="18" charset="0"/>
                         </a:rPr>
                         <m:t>x</m:t>
                       </m:r>
@@ -40703,6 +40773,7 @@
                           <a:solidFill>
                             <a:schemeClr val="tx1"/>
                           </a:solidFill>
+                          <a:latin typeface="Cambria Math" panose="02040503050406030204" pitchFamily="18" charset="0"/>
                         </a:rPr>
                         <m:t>0</m:t>
                       </m:r>
@@ -40711,6 +40782,7 @@
                           <a:solidFill>
                             <a:schemeClr val="tx1"/>
                           </a:solidFill>
+                          <a:latin typeface="Cambria Math" panose="02040503050406030204" pitchFamily="18" charset="0"/>
                         </a:rPr>
                         <m:t>0,0</m:t>
                       </m:r>
@@ -40722,6 +40794,7 @@
                           <a:solidFill>
                             <a:schemeClr val="tx1"/>
                           </a:solidFill>
+                          <a:latin typeface="Cambria Math" panose="02040503050406030204" pitchFamily="18" charset="0"/>
                         </a:rPr>
                         <m:t>x</m:t>
                       </m:r>
@@ -40730,6 +40803,7 @@
                           <a:solidFill>
                             <a:schemeClr val="tx1"/>
                           </a:solidFill>
+                          <a:latin typeface="Cambria Math" panose="02040503050406030204" pitchFamily="18" charset="0"/>
                         </a:rPr>
                         <m:t>1</m:t>
                       </m:r>
@@ -40738,6 +40812,7 @@
                           <a:solidFill>
                             <a:schemeClr val="tx1"/>
                           </a:solidFill>
+                          <a:latin typeface="Cambria Math" panose="02040503050406030204" pitchFamily="18" charset="0"/>
                         </a:rPr>
                         <m:t>1,0</m:t>
                       </m:r>
@@ -40749,6 +40824,7 @@
                           <a:solidFill>
                             <a:schemeClr val="tx1"/>
                           </a:solidFill>
+                          <a:latin typeface="Cambria Math" panose="02040503050406030204" pitchFamily="18" charset="0"/>
                         </a:rPr>
                         <m:t>x</m:t>
                       </m:r>
@@ -40757,6 +40833,7 @@
                           <a:solidFill>
                             <a:srgbClr val="FF0000"/>
                           </a:solidFill>
+                          <a:latin typeface="Cambria Math" panose="02040503050406030204" pitchFamily="18" charset="0"/>
                         </a:rPr>
                         <m:t>2</m:t>
                       </m:r>
@@ -40765,6 +40842,7 @@
                           <a:solidFill>
                             <a:schemeClr val="tx1"/>
                           </a:solidFill>
+                          <a:latin typeface="Cambria Math" panose="02040503050406030204" pitchFamily="18" charset="0"/>
                         </a:rPr>
                         <m:t>2,0</m:t>
                       </m:r>
@@ -40776,6 +40854,7 @@
                           <a:solidFill>
                             <a:schemeClr val="tx1"/>
                           </a:solidFill>
+                          <a:latin typeface="Cambria Math" panose="02040503050406030204" pitchFamily="18" charset="0"/>
                         </a:rPr>
                         <m:t>x</m:t>
                       </m:r>
@@ -40784,6 +40863,7 @@
                           <a:solidFill>
                             <a:schemeClr val="tx1"/>
                           </a:solidFill>
+                          <a:latin typeface="Cambria Math" panose="02040503050406030204" pitchFamily="18" charset="0"/>
                         </a:rPr>
                         <m:t>3</m:t>
                       </m:r>
@@ -40792,6 +40872,7 @@
                           <a:solidFill>
                             <a:schemeClr val="tx1"/>
                           </a:solidFill>
+                          <a:latin typeface="Cambria Math" panose="02040503050406030204" pitchFamily="18" charset="0"/>
                         </a:rPr>
                         <m:t>3,0</m:t>
                       </m:r>
@@ -40803,6 +40884,7 @@
                           <a:solidFill>
                             <a:schemeClr val="tx1"/>
                           </a:solidFill>
+                          <a:latin typeface="Cambria Math" panose="02040503050406030204" pitchFamily="18" charset="0"/>
                         </a:rPr>
                         <m:t>x</m:t>
                       </m:r>
@@ -40811,6 +40893,7 @@
                           <a:solidFill>
                             <a:schemeClr val="tx1"/>
                           </a:solidFill>
+                          <a:latin typeface="Cambria Math" panose="02040503050406030204" pitchFamily="18" charset="0"/>
                         </a:rPr>
                         <m:t>4</m:t>
                       </m:r>
@@ -40819,6 +40902,7 @@
                           <a:solidFill>
                             <a:schemeClr val="tx1"/>
                           </a:solidFill>
+                          <a:latin typeface="Cambria Math" panose="02040503050406030204" pitchFamily="18" charset="0"/>
                         </a:rPr>
                         <m:t>4,0</m:t>
                       </m:r>
@@ -40830,6 +40914,7 @@
                           <a:solidFill>
                             <a:schemeClr val="tx1"/>
                           </a:solidFill>
+                          <a:latin typeface="Cambria Math" panose="02040503050406030204" pitchFamily="18" charset="0"/>
                         </a:rPr>
                         <m:t>x</m:t>
                       </m:r>
@@ -40838,6 +40923,7 @@
                           <a:solidFill>
                             <a:schemeClr val="tx1"/>
                           </a:solidFill>
+                          <a:latin typeface="Cambria Math" panose="02040503050406030204" pitchFamily="18" charset="0"/>
                         </a:rPr>
                         <m:t>5</m:t>
                       </m:r>
@@ -40846,6 +40932,7 @@
                           <a:solidFill>
                             <a:schemeClr val="tx1"/>
                           </a:solidFill>
+                          <a:latin typeface="Cambria Math" panose="02040503050406030204" pitchFamily="18" charset="0"/>
                         </a:rPr>
                         <m:t>5,0</m:t>
                       </m:r>
@@ -40857,6 +40944,7 @@
                           <a:solidFill>
                             <a:schemeClr val="tx1"/>
                           </a:solidFill>
+                          <a:latin typeface="Cambria Math" panose="02040503050406030204" pitchFamily="18" charset="0"/>
                         </a:rPr>
                         <m:t>x</m:t>
                       </m:r>
@@ -40865,6 +40953,7 @@
                           <a:solidFill>
                             <a:schemeClr val="tx1"/>
                           </a:solidFill>
+                          <a:latin typeface="Cambria Math" panose="02040503050406030204" pitchFamily="18" charset="0"/>
                         </a:rPr>
                         <m:t>6</m:t>
                       </m:r>
@@ -40873,6 +40962,7 @@
                           <a:solidFill>
                             <a:schemeClr val="tx1"/>
                           </a:solidFill>
+                          <a:latin typeface="Cambria Math" panose="02040503050406030204" pitchFamily="18" charset="0"/>
                         </a:rPr>
                         <m:t>6,0</m:t>
                       </m:r>
@@ -40884,6 +40974,7 @@
                           <a:solidFill>
                             <a:schemeClr val="tx1"/>
                           </a:solidFill>
+                          <a:latin typeface="Cambria Math" panose="02040503050406030204" pitchFamily="18" charset="0"/>
                         </a:rPr>
                         <m:t>x</m:t>
                       </m:r>
@@ -40892,6 +40983,7 @@
                           <a:solidFill>
                             <a:srgbClr val="FF0000"/>
                           </a:solidFill>
+                          <a:latin typeface="Cambria Math" panose="02040503050406030204" pitchFamily="18" charset="0"/>
                         </a:rPr>
                         <m:t>7</m:t>
                       </m:r>
@@ -40900,6 +40992,7 @@
                           <a:solidFill>
                             <a:schemeClr val="tx1"/>
                           </a:solidFill>
+                          <a:latin typeface="Cambria Math" panose="02040503050406030204" pitchFamily="18" charset="0"/>
                         </a:rPr>
                         <m:t>7)</m:t>
                       </m:r>
@@ -40911,7 +41004,7 @@
             </p:txBody>
           </p:sp>
         </mc:Choice>
-        <mc:Fallback>
+        <mc:Fallback xmlns="">
           <p:sp>
             <p:nvSpPr>
               <p:cNvPr id="10" name="文本框 9"/>
@@ -40950,37 +41043,6 @@
           </p:sp>
         </mc:Fallback>
       </mc:AlternateContent>
-      <p:sp>
-        <p:nvSpPr>
-          <p:cNvPr id="6" name="页脚占位符 5"/>
-          <p:cNvSpPr>
-            <a:spLocks noGrp="1"/>
-          </p:cNvSpPr>
-          <p:nvPr>
-            <p:ph type="ftr" sz="quarter" idx="11"/>
-          </p:nvPr>
-        </p:nvSpPr>
-        <p:spPr/>
-        <p:txBody>
-          <a:bodyPr/>
-          <a:lstStyle/>
-          <a:p>
-            <a:r>
-              <a:rPr lang="zh-CN" altLang="en-US" smtClean="0"/>
-              <a:t>共</a:t>
-            </a:r>
-            <a:r>
-              <a:rPr lang="en-US" altLang="zh-CN" smtClean="0"/>
-              <a:t>38</a:t>
-            </a:r>
-            <a:r>
-              <a:rPr lang="zh-CN" altLang="en-US" smtClean="0"/>
-              <a:t>页</a:t>
-            </a:r>
-            <a:endParaRPr lang="zh-CN" altLang="en-US"/>
-          </a:p>
-        </p:txBody>
-      </p:sp>
     </p:spTree>
     <p:extLst>
       <p:ext uri="{BB962C8B-B14F-4D97-AF65-F5344CB8AC3E}">
@@ -41435,8 +41497,8 @@
           <a:noFill/>
         </p:spPr>
       </p:pic>
-      <mc:AlternateContent xmlns:mc="http://schemas.openxmlformats.org/markup-compatibility/2006">
-        <mc:Choice xmlns:a14="http://schemas.microsoft.com/office/drawing/2010/main" Requires="a14">
+      <mc:AlternateContent xmlns:mc="http://schemas.openxmlformats.org/markup-compatibility/2006" xmlns:a14="http://schemas.microsoft.com/office/drawing/2010/main">
+        <mc:Choice Requires="a14">
           <p:sp>
             <p:nvSpPr>
               <p:cNvPr id="2" name="标题 1"/>
@@ -41633,7 +41695,7 @@
             </p:txBody>
           </p:sp>
         </mc:Choice>
-        <mc:Fallback>
+        <mc:Fallback xmlns="">
           <p:sp>
             <p:nvSpPr>
               <p:cNvPr id="2" name="标题 1"/>
@@ -41690,8 +41752,8 @@
           </a:p>
         </p:txBody>
       </p:sp>
-      <mc:AlternateContent xmlns:mc="http://schemas.openxmlformats.org/markup-compatibility/2006">
-        <mc:Choice xmlns:a14="http://schemas.microsoft.com/office/drawing/2010/main" Requires="a14">
+      <mc:AlternateContent xmlns:mc="http://schemas.openxmlformats.org/markup-compatibility/2006" xmlns:a14="http://schemas.microsoft.com/office/drawing/2010/main">
+        <mc:Choice Requires="a14">
           <p:sp>
             <p:nvSpPr>
               <p:cNvPr id="7" name="文本框 6"/>
@@ -41714,6 +41776,7 @@
               </a:bodyPr>
               <a:lstStyle/>
               <a:p>
+                <a:pPr/>
                 <a14:m>
                   <m:oMathPara xmlns:m="http://schemas.openxmlformats.org/officeDocument/2006/math">
                     <m:oMathParaPr>
@@ -41733,7 +41796,9 @@
                         <m:t>=</m:t>
                       </m:r>
                       <m:r>
-                        <a:rPr lang="en-US" altLang="zh-CN" sz="1400"/>
+                        <a:rPr lang="en-US" altLang="zh-CN" sz="1400">
+                          <a:latin typeface="Cambria Math" panose="02040503050406030204" pitchFamily="18" charset="0"/>
+                        </a:rPr>
                         <m:t>(</m:t>
                       </m:r>
                       <m:r>
@@ -41741,6 +41806,7 @@
                           <a:solidFill>
                             <a:schemeClr val="tx1"/>
                           </a:solidFill>
+                          <a:latin typeface="Cambria Math" panose="02040503050406030204" pitchFamily="18" charset="0"/>
                         </a:rPr>
                         <m:t>0</m:t>
                       </m:r>
@@ -41752,6 +41818,7 @@
                           <a:solidFill>
                             <a:schemeClr val="tx1"/>
                           </a:solidFill>
+                          <a:latin typeface="Cambria Math" panose="02040503050406030204" pitchFamily="18" charset="0"/>
                         </a:rPr>
                         <m:t>x</m:t>
                       </m:r>
@@ -41760,6 +41827,7 @@
                           <a:solidFill>
                             <a:schemeClr val="tx1"/>
                           </a:solidFill>
+                          <a:latin typeface="Cambria Math" panose="02040503050406030204" pitchFamily="18" charset="0"/>
                         </a:rPr>
                         <m:t>00,0</m:t>
                       </m:r>
@@ -41771,6 +41839,7 @@
                           <a:solidFill>
                             <a:schemeClr val="tx1"/>
                           </a:solidFill>
+                          <a:latin typeface="Cambria Math" panose="02040503050406030204" pitchFamily="18" charset="0"/>
                         </a:rPr>
                         <m:t>x</m:t>
                       </m:r>
@@ -41779,6 +41848,7 @@
                           <a:solidFill>
                             <a:schemeClr val="tx1"/>
                           </a:solidFill>
+                          <a:latin typeface="Cambria Math" panose="02040503050406030204" pitchFamily="18" charset="0"/>
                         </a:rPr>
                         <m:t>1</m:t>
                       </m:r>
@@ -41787,6 +41857,7 @@
                           <a:solidFill>
                             <a:schemeClr val="tx1"/>
                           </a:solidFill>
+                          <a:latin typeface="Cambria Math" panose="02040503050406030204" pitchFamily="18" charset="0"/>
                         </a:rPr>
                         <m:t>1,0</m:t>
                       </m:r>
@@ -41798,6 +41869,7 @@
                           <a:solidFill>
                             <a:schemeClr val="tx1"/>
                           </a:solidFill>
+                          <a:latin typeface="Cambria Math" panose="02040503050406030204" pitchFamily="18" charset="0"/>
                         </a:rPr>
                         <m:t>x</m:t>
                       </m:r>
@@ -41806,6 +41878,7 @@
                           <a:solidFill>
                             <a:schemeClr val="tx1"/>
                           </a:solidFill>
+                          <a:latin typeface="Cambria Math" panose="02040503050406030204" pitchFamily="18" charset="0"/>
                         </a:rPr>
                         <m:t>2</m:t>
                       </m:r>
@@ -41814,6 +41887,7 @@
                           <a:solidFill>
                             <a:schemeClr val="tx1"/>
                           </a:solidFill>
+                          <a:latin typeface="Cambria Math" panose="02040503050406030204" pitchFamily="18" charset="0"/>
                         </a:rPr>
                         <m:t>2,0</m:t>
                       </m:r>
@@ -41825,6 +41899,7 @@
                           <a:solidFill>
                             <a:schemeClr val="tx1"/>
                           </a:solidFill>
+                          <a:latin typeface="Cambria Math" panose="02040503050406030204" pitchFamily="18" charset="0"/>
                         </a:rPr>
                         <m:t>x</m:t>
                       </m:r>
@@ -41833,6 +41908,7 @@
                           <a:solidFill>
                             <a:srgbClr val="FF0000"/>
                           </a:solidFill>
+                          <a:latin typeface="Cambria Math" panose="02040503050406030204" pitchFamily="18" charset="0"/>
                         </a:rPr>
                         <m:t>3</m:t>
                       </m:r>
@@ -41841,6 +41917,7 @@
                           <a:solidFill>
                             <a:schemeClr val="tx1"/>
                           </a:solidFill>
+                          <a:latin typeface="Cambria Math" panose="02040503050406030204" pitchFamily="18" charset="0"/>
                         </a:rPr>
                         <m:t>3,0</m:t>
                       </m:r>
@@ -41852,6 +41929,7 @@
                           <a:solidFill>
                             <a:schemeClr val="tx1"/>
                           </a:solidFill>
+                          <a:latin typeface="Cambria Math" panose="02040503050406030204" pitchFamily="18" charset="0"/>
                         </a:rPr>
                         <m:t>x</m:t>
                       </m:r>
@@ -41860,6 +41938,7 @@
                           <a:solidFill>
                             <a:srgbClr val="FF0000"/>
                           </a:solidFill>
+                          <a:latin typeface="Cambria Math" panose="02040503050406030204" pitchFamily="18" charset="0"/>
                         </a:rPr>
                         <m:t>4</m:t>
                       </m:r>
@@ -41868,6 +41947,7 @@
                           <a:solidFill>
                             <a:schemeClr val="tx1"/>
                           </a:solidFill>
+                          <a:latin typeface="Cambria Math" panose="02040503050406030204" pitchFamily="18" charset="0"/>
                         </a:rPr>
                         <m:t>4,0</m:t>
                       </m:r>
@@ -41879,6 +41959,7 @@
                           <a:solidFill>
                             <a:schemeClr val="tx1"/>
                           </a:solidFill>
+                          <a:latin typeface="Cambria Math" panose="02040503050406030204" pitchFamily="18" charset="0"/>
                         </a:rPr>
                         <m:t>x</m:t>
                       </m:r>
@@ -41887,6 +41968,7 @@
                           <a:solidFill>
                             <a:schemeClr val="tx1"/>
                           </a:solidFill>
+                          <a:latin typeface="Cambria Math" panose="02040503050406030204" pitchFamily="18" charset="0"/>
                         </a:rPr>
                         <m:t>5</m:t>
                       </m:r>
@@ -41895,6 +41977,7 @@
                           <a:solidFill>
                             <a:schemeClr val="tx1"/>
                           </a:solidFill>
+                          <a:latin typeface="Cambria Math" panose="02040503050406030204" pitchFamily="18" charset="0"/>
                         </a:rPr>
                         <m:t>5,0</m:t>
                       </m:r>
@@ -41906,6 +41989,7 @@
                           <a:solidFill>
                             <a:schemeClr val="tx1"/>
                           </a:solidFill>
+                          <a:latin typeface="Cambria Math" panose="02040503050406030204" pitchFamily="18" charset="0"/>
                         </a:rPr>
                         <m:t>x</m:t>
                       </m:r>
@@ -41914,6 +41998,7 @@
                           <a:solidFill>
                             <a:schemeClr val="tx1"/>
                           </a:solidFill>
+                          <a:latin typeface="Cambria Math" panose="02040503050406030204" pitchFamily="18" charset="0"/>
                         </a:rPr>
                         <m:t>6</m:t>
                       </m:r>
@@ -41922,6 +42007,7 @@
                           <a:solidFill>
                             <a:schemeClr val="tx1"/>
                           </a:solidFill>
+                          <a:latin typeface="Cambria Math" panose="02040503050406030204" pitchFamily="18" charset="0"/>
                         </a:rPr>
                         <m:t>6,0</m:t>
                       </m:r>
@@ -41933,6 +42019,7 @@
                           <a:solidFill>
                             <a:schemeClr val="tx1"/>
                           </a:solidFill>
+                          <a:latin typeface="Cambria Math" panose="02040503050406030204" pitchFamily="18" charset="0"/>
                         </a:rPr>
                         <m:t>x</m:t>
                       </m:r>
@@ -41941,6 +42028,7 @@
                           <a:solidFill>
                             <a:schemeClr val="tx1"/>
                           </a:solidFill>
+                          <a:latin typeface="Cambria Math" panose="02040503050406030204" pitchFamily="18" charset="0"/>
                         </a:rPr>
                         <m:t>7</m:t>
                       </m:r>
@@ -41949,6 +42037,7 @@
                           <a:solidFill>
                             <a:schemeClr val="tx1"/>
                           </a:solidFill>
+                          <a:latin typeface="Cambria Math" panose="02040503050406030204" pitchFamily="18" charset="0"/>
                         </a:rPr>
                         <m:t>7,0</m:t>
                       </m:r>
@@ -41960,6 +42049,7 @@
                           <a:solidFill>
                             <a:schemeClr val="tx1"/>
                           </a:solidFill>
+                          <a:latin typeface="Cambria Math" panose="02040503050406030204" pitchFamily="18" charset="0"/>
                         </a:rPr>
                         <m:t>x</m:t>
                       </m:r>
@@ -41968,6 +42058,7 @@
                           <a:solidFill>
                             <a:schemeClr val="tx1"/>
                           </a:solidFill>
+                          <a:latin typeface="Cambria Math" panose="02040503050406030204" pitchFamily="18" charset="0"/>
                         </a:rPr>
                         <m:t>0</m:t>
                       </m:r>
@@ -41976,6 +42067,7 @@
                           <a:solidFill>
                             <a:schemeClr val="tx1"/>
                           </a:solidFill>
+                          <a:latin typeface="Cambria Math" panose="02040503050406030204" pitchFamily="18" charset="0"/>
                         </a:rPr>
                         <m:t>0,0</m:t>
                       </m:r>
@@ -41987,6 +42079,7 @@
                           <a:solidFill>
                             <a:schemeClr val="tx1"/>
                           </a:solidFill>
+                          <a:latin typeface="Cambria Math" panose="02040503050406030204" pitchFamily="18" charset="0"/>
                         </a:rPr>
                         <m:t>x</m:t>
                       </m:r>
@@ -41995,6 +42088,7 @@
                           <a:solidFill>
                             <a:srgbClr val="FF0000"/>
                           </a:solidFill>
+                          <a:latin typeface="Cambria Math" panose="02040503050406030204" pitchFamily="18" charset="0"/>
                         </a:rPr>
                         <m:t>1</m:t>
                       </m:r>
@@ -42003,6 +42097,7 @@
                           <a:solidFill>
                             <a:schemeClr val="tx1"/>
                           </a:solidFill>
+                          <a:latin typeface="Cambria Math" panose="02040503050406030204" pitchFamily="18" charset="0"/>
                         </a:rPr>
                         <m:t>1,0</m:t>
                       </m:r>
@@ -42014,6 +42109,7 @@
                           <a:solidFill>
                             <a:schemeClr val="tx1"/>
                           </a:solidFill>
+                          <a:latin typeface="Cambria Math" panose="02040503050406030204" pitchFamily="18" charset="0"/>
                         </a:rPr>
                         <m:t>x</m:t>
                       </m:r>
@@ -42022,6 +42118,7 @@
                           <a:solidFill>
                             <a:schemeClr val="tx1"/>
                           </a:solidFill>
+                          <a:latin typeface="Cambria Math" panose="02040503050406030204" pitchFamily="18" charset="0"/>
                         </a:rPr>
                         <m:t>2</m:t>
                       </m:r>
@@ -42030,6 +42127,7 @@
                           <a:solidFill>
                             <a:schemeClr val="tx1"/>
                           </a:solidFill>
+                          <a:latin typeface="Cambria Math" panose="02040503050406030204" pitchFamily="18" charset="0"/>
                         </a:rPr>
                         <m:t>2,0</m:t>
                       </m:r>
@@ -42041,6 +42139,7 @@
                           <a:solidFill>
                             <a:schemeClr val="tx1"/>
                           </a:solidFill>
+                          <a:latin typeface="Cambria Math" panose="02040503050406030204" pitchFamily="18" charset="0"/>
                         </a:rPr>
                         <m:t>x</m:t>
                       </m:r>
@@ -42049,6 +42148,7 @@
                           <a:solidFill>
                             <a:schemeClr val="tx1"/>
                           </a:solidFill>
+                          <a:latin typeface="Cambria Math" panose="02040503050406030204" pitchFamily="18" charset="0"/>
                         </a:rPr>
                         <m:t>3</m:t>
                       </m:r>
@@ -42057,6 +42157,7 @@
                           <a:solidFill>
                             <a:schemeClr val="tx1"/>
                           </a:solidFill>
+                          <a:latin typeface="Cambria Math" panose="02040503050406030204" pitchFamily="18" charset="0"/>
                         </a:rPr>
                         <m:t>3,0</m:t>
                       </m:r>
@@ -42068,6 +42169,7 @@
                           <a:solidFill>
                             <a:schemeClr val="tx1"/>
                           </a:solidFill>
+                          <a:latin typeface="Cambria Math" panose="02040503050406030204" pitchFamily="18" charset="0"/>
                         </a:rPr>
                         <m:t>x</m:t>
                       </m:r>
@@ -42076,6 +42178,7 @@
                           <a:solidFill>
                             <a:schemeClr val="tx1"/>
                           </a:solidFill>
+                          <a:latin typeface="Cambria Math" panose="02040503050406030204" pitchFamily="18" charset="0"/>
                         </a:rPr>
                         <m:t>4</m:t>
                       </m:r>
@@ -42084,6 +42187,7 @@
                           <a:solidFill>
                             <a:schemeClr val="tx1"/>
                           </a:solidFill>
+                          <a:latin typeface="Cambria Math" panose="02040503050406030204" pitchFamily="18" charset="0"/>
                         </a:rPr>
                         <m:t>4,0</m:t>
                       </m:r>
@@ -42095,6 +42199,7 @@
                           <a:solidFill>
                             <a:schemeClr val="tx1"/>
                           </a:solidFill>
+                          <a:latin typeface="Cambria Math" panose="02040503050406030204" pitchFamily="18" charset="0"/>
                         </a:rPr>
                         <m:t>x</m:t>
                       </m:r>
@@ -42103,6 +42208,7 @@
                           <a:solidFill>
                             <a:schemeClr val="tx1"/>
                           </a:solidFill>
+                          <a:latin typeface="Cambria Math" panose="02040503050406030204" pitchFamily="18" charset="0"/>
                         </a:rPr>
                         <m:t>5</m:t>
                       </m:r>
@@ -42111,6 +42217,7 @@
                           <a:solidFill>
                             <a:schemeClr val="tx1"/>
                           </a:solidFill>
+                          <a:latin typeface="Cambria Math" panose="02040503050406030204" pitchFamily="18" charset="0"/>
                         </a:rPr>
                         <m:t>5,0</m:t>
                       </m:r>
@@ -42122,6 +42229,7 @@
                           <a:solidFill>
                             <a:schemeClr val="tx1"/>
                           </a:solidFill>
+                          <a:latin typeface="Cambria Math" panose="02040503050406030204" pitchFamily="18" charset="0"/>
                         </a:rPr>
                         <m:t>x</m:t>
                       </m:r>
@@ -42130,6 +42238,7 @@
                           <a:solidFill>
                             <a:srgbClr val="FF0000"/>
                           </a:solidFill>
+                          <a:latin typeface="Cambria Math" panose="02040503050406030204" pitchFamily="18" charset="0"/>
                         </a:rPr>
                         <m:t>6</m:t>
                       </m:r>
@@ -42138,6 +42247,7 @@
                           <a:solidFill>
                             <a:schemeClr val="tx1"/>
                           </a:solidFill>
+                          <a:latin typeface="Cambria Math" panose="02040503050406030204" pitchFamily="18" charset="0"/>
                         </a:rPr>
                         <m:t>6,0</m:t>
                       </m:r>
@@ -42149,6 +42259,7 @@
                           <a:solidFill>
                             <a:schemeClr val="tx1"/>
                           </a:solidFill>
+                          <a:latin typeface="Cambria Math" panose="02040503050406030204" pitchFamily="18" charset="0"/>
                         </a:rPr>
                         <m:t>x</m:t>
                       </m:r>
@@ -42157,6 +42268,7 @@
                           <a:solidFill>
                             <a:schemeClr val="tx1"/>
                           </a:solidFill>
+                          <a:latin typeface="Cambria Math" panose="02040503050406030204" pitchFamily="18" charset="0"/>
                         </a:rPr>
                         <m:t>7</m:t>
                       </m:r>
@@ -42165,6 +42277,7 @@
                           <a:solidFill>
                             <a:schemeClr val="tx1"/>
                           </a:solidFill>
+                          <a:latin typeface="Cambria Math" panose="02040503050406030204" pitchFamily="18" charset="0"/>
                         </a:rPr>
                         <m:t>7)</m:t>
                       </m:r>
@@ -42176,7 +42289,7 @@
             </p:txBody>
           </p:sp>
         </mc:Choice>
-        <mc:Fallback>
+        <mc:Fallback xmlns="">
           <p:sp>
             <p:nvSpPr>
               <p:cNvPr id="7" name="文本框 6"/>
@@ -42215,37 +42328,6 @@
           </p:sp>
         </mc:Fallback>
       </mc:AlternateContent>
-      <p:sp>
-        <p:nvSpPr>
-          <p:cNvPr id="3" name="页脚占位符 2"/>
-          <p:cNvSpPr>
-            <a:spLocks noGrp="1"/>
-          </p:cNvSpPr>
-          <p:nvPr>
-            <p:ph type="ftr" sz="quarter" idx="11"/>
-          </p:nvPr>
-        </p:nvSpPr>
-        <p:spPr/>
-        <p:txBody>
-          <a:bodyPr/>
-          <a:lstStyle/>
-          <a:p>
-            <a:r>
-              <a:rPr lang="zh-CN" altLang="en-US" smtClean="0"/>
-              <a:t>共</a:t>
-            </a:r>
-            <a:r>
-              <a:rPr lang="en-US" altLang="zh-CN" smtClean="0"/>
-              <a:t>38</a:t>
-            </a:r>
-            <a:r>
-              <a:rPr lang="zh-CN" altLang="en-US" smtClean="0"/>
-              <a:t>页</a:t>
-            </a:r>
-            <a:endParaRPr lang="zh-CN" altLang="en-US"/>
-          </a:p>
-        </p:txBody>
-      </p:sp>
     </p:spTree>
     <p:extLst>
       <p:ext uri="{BB962C8B-B14F-4D97-AF65-F5344CB8AC3E}">
@@ -42323,8 +42405,8 @@
           <a:noFill/>
         </p:spPr>
       </p:pic>
-      <mc:AlternateContent xmlns:mc="http://schemas.openxmlformats.org/markup-compatibility/2006">
-        <mc:Choice xmlns:a14="http://schemas.microsoft.com/office/drawing/2010/main" Requires="a14">
+      <mc:AlternateContent xmlns:mc="http://schemas.openxmlformats.org/markup-compatibility/2006" xmlns:a14="http://schemas.microsoft.com/office/drawing/2010/main">
+        <mc:Choice Requires="a14">
           <p:sp>
             <p:nvSpPr>
               <p:cNvPr id="2" name="标题 1"/>
@@ -42521,7 +42603,7 @@
             </p:txBody>
           </p:sp>
         </mc:Choice>
-        <mc:Fallback>
+        <mc:Fallback xmlns="">
           <p:sp>
             <p:nvSpPr>
               <p:cNvPr id="2" name="标题 1"/>
@@ -42578,8 +42660,8 @@
           </a:p>
         </p:txBody>
       </p:sp>
-      <mc:AlternateContent xmlns:mc="http://schemas.openxmlformats.org/markup-compatibility/2006">
-        <mc:Choice xmlns:a14="http://schemas.microsoft.com/office/drawing/2010/main" Requires="a14">
+      <mc:AlternateContent xmlns:mc="http://schemas.openxmlformats.org/markup-compatibility/2006" xmlns:a14="http://schemas.microsoft.com/office/drawing/2010/main">
+        <mc:Choice Requires="a14">
           <p:sp>
             <p:nvSpPr>
               <p:cNvPr id="7" name="文本框 6"/>
@@ -42602,6 +42684,7 @@
               </a:bodyPr>
               <a:lstStyle/>
               <a:p>
+                <a:pPr/>
                 <a14:m>
                   <m:oMathPara xmlns:m="http://schemas.openxmlformats.org/officeDocument/2006/math">
                     <m:oMathParaPr>
@@ -42621,7 +42704,9 @@
                         <m:t>=</m:t>
                       </m:r>
                       <m:r>
-                        <a:rPr lang="en-US" altLang="zh-CN" sz="1400"/>
+                        <a:rPr lang="en-US" altLang="zh-CN" sz="1400">
+                          <a:latin typeface="Cambria Math" panose="02040503050406030204" pitchFamily="18" charset="0"/>
+                        </a:rPr>
                         <m:t>(</m:t>
                       </m:r>
                       <m:r>
@@ -42629,6 +42714,7 @@
                           <a:solidFill>
                             <a:schemeClr val="tx1"/>
                           </a:solidFill>
+                          <a:latin typeface="Cambria Math" panose="02040503050406030204" pitchFamily="18" charset="0"/>
                         </a:rPr>
                         <m:t>0</m:t>
                       </m:r>
@@ -42640,6 +42726,7 @@
                           <a:solidFill>
                             <a:schemeClr val="tx1"/>
                           </a:solidFill>
+                          <a:latin typeface="Cambria Math" panose="02040503050406030204" pitchFamily="18" charset="0"/>
                         </a:rPr>
                         <m:t>x</m:t>
                       </m:r>
@@ -42648,6 +42735,7 @@
                           <a:solidFill>
                             <a:schemeClr val="tx1"/>
                           </a:solidFill>
+                          <a:latin typeface="Cambria Math" panose="02040503050406030204" pitchFamily="18" charset="0"/>
                         </a:rPr>
                         <m:t>00,0</m:t>
                       </m:r>
@@ -42659,6 +42747,7 @@
                           <a:solidFill>
                             <a:schemeClr val="tx1"/>
                           </a:solidFill>
+                          <a:latin typeface="Cambria Math" panose="02040503050406030204" pitchFamily="18" charset="0"/>
                         </a:rPr>
                         <m:t>x</m:t>
                       </m:r>
@@ -42667,6 +42756,7 @@
                           <a:solidFill>
                             <a:schemeClr val="tx1"/>
                           </a:solidFill>
+                          <a:latin typeface="Cambria Math" panose="02040503050406030204" pitchFamily="18" charset="0"/>
                         </a:rPr>
                         <m:t>1</m:t>
                       </m:r>
@@ -42675,6 +42765,7 @@
                           <a:solidFill>
                             <a:schemeClr val="tx1"/>
                           </a:solidFill>
+                          <a:latin typeface="Cambria Math" panose="02040503050406030204" pitchFamily="18" charset="0"/>
                         </a:rPr>
                         <m:t>1,0</m:t>
                       </m:r>
@@ -42686,6 +42777,7 @@
                           <a:solidFill>
                             <a:schemeClr val="tx1"/>
                           </a:solidFill>
+                          <a:latin typeface="Cambria Math" panose="02040503050406030204" pitchFamily="18" charset="0"/>
                         </a:rPr>
                         <m:t>x</m:t>
                       </m:r>
@@ -42694,6 +42786,7 @@
                           <a:solidFill>
                             <a:srgbClr val="FF0000"/>
                           </a:solidFill>
+                          <a:latin typeface="Cambria Math" panose="02040503050406030204" pitchFamily="18" charset="0"/>
                         </a:rPr>
                         <m:t>2</m:t>
                       </m:r>
@@ -42702,6 +42795,7 @@
                           <a:solidFill>
                             <a:schemeClr val="tx1"/>
                           </a:solidFill>
+                          <a:latin typeface="Cambria Math" panose="02040503050406030204" pitchFamily="18" charset="0"/>
                         </a:rPr>
                         <m:t>2,0</m:t>
                       </m:r>
@@ -42713,6 +42807,7 @@
                           <a:solidFill>
                             <a:schemeClr val="tx1"/>
                           </a:solidFill>
+                          <a:latin typeface="Cambria Math" panose="02040503050406030204" pitchFamily="18" charset="0"/>
                         </a:rPr>
                         <m:t>x</m:t>
                       </m:r>
@@ -42721,6 +42816,7 @@
                           <a:solidFill>
                             <a:schemeClr val="tx1"/>
                           </a:solidFill>
+                          <a:latin typeface="Cambria Math" panose="02040503050406030204" pitchFamily="18" charset="0"/>
                         </a:rPr>
                         <m:t>3</m:t>
                       </m:r>
@@ -42729,6 +42825,7 @@
                           <a:solidFill>
                             <a:schemeClr val="tx1"/>
                           </a:solidFill>
+                          <a:latin typeface="Cambria Math" panose="02040503050406030204" pitchFamily="18" charset="0"/>
                         </a:rPr>
                         <m:t>3,0</m:t>
                       </m:r>
@@ -42740,6 +42837,7 @@
                           <a:solidFill>
                             <a:schemeClr val="tx1"/>
                           </a:solidFill>
+                          <a:latin typeface="Cambria Math" panose="02040503050406030204" pitchFamily="18" charset="0"/>
                         </a:rPr>
                         <m:t>x</m:t>
                       </m:r>
@@ -42748,6 +42846,7 @@
                           <a:solidFill>
                             <a:schemeClr val="tx1"/>
                           </a:solidFill>
+                          <a:latin typeface="Cambria Math" panose="02040503050406030204" pitchFamily="18" charset="0"/>
                         </a:rPr>
                         <m:t>4</m:t>
                       </m:r>
@@ -42756,6 +42855,7 @@
                           <a:solidFill>
                             <a:schemeClr val="tx1"/>
                           </a:solidFill>
+                          <a:latin typeface="Cambria Math" panose="02040503050406030204" pitchFamily="18" charset="0"/>
                         </a:rPr>
                         <m:t>4,0</m:t>
                       </m:r>
@@ -42767,6 +42867,7 @@
                           <a:solidFill>
                             <a:schemeClr val="tx1"/>
                           </a:solidFill>
+                          <a:latin typeface="Cambria Math" panose="02040503050406030204" pitchFamily="18" charset="0"/>
                         </a:rPr>
                         <m:t>x</m:t>
                       </m:r>
@@ -42775,6 +42876,7 @@
                           <a:solidFill>
                             <a:schemeClr val="tx1"/>
                           </a:solidFill>
+                          <a:latin typeface="Cambria Math" panose="02040503050406030204" pitchFamily="18" charset="0"/>
                         </a:rPr>
                         <m:t>5</m:t>
                       </m:r>
@@ -42783,6 +42885,7 @@
                           <a:solidFill>
                             <a:schemeClr val="tx1"/>
                           </a:solidFill>
+                          <a:latin typeface="Cambria Math" panose="02040503050406030204" pitchFamily="18" charset="0"/>
                         </a:rPr>
                         <m:t>5,0</m:t>
                       </m:r>
@@ -42794,6 +42897,7 @@
                           <a:solidFill>
                             <a:schemeClr val="tx1"/>
                           </a:solidFill>
+                          <a:latin typeface="Cambria Math" panose="02040503050406030204" pitchFamily="18" charset="0"/>
                         </a:rPr>
                         <m:t>x</m:t>
                       </m:r>
@@ -42802,6 +42906,7 @@
                           <a:solidFill>
                             <a:schemeClr val="tx1"/>
                           </a:solidFill>
+                          <a:latin typeface="Cambria Math" panose="02040503050406030204" pitchFamily="18" charset="0"/>
                         </a:rPr>
                         <m:t>6</m:t>
                       </m:r>
@@ -42810,6 +42915,7 @@
                           <a:solidFill>
                             <a:schemeClr val="tx1"/>
                           </a:solidFill>
+                          <a:latin typeface="Cambria Math" panose="02040503050406030204" pitchFamily="18" charset="0"/>
                         </a:rPr>
                         <m:t>6,0</m:t>
                       </m:r>
@@ -42821,6 +42927,7 @@
                           <a:solidFill>
                             <a:schemeClr val="tx1"/>
                           </a:solidFill>
+                          <a:latin typeface="Cambria Math" panose="02040503050406030204" pitchFamily="18" charset="0"/>
                         </a:rPr>
                         <m:t>x</m:t>
                       </m:r>
@@ -42829,6 +42936,7 @@
                           <a:solidFill>
                             <a:srgbClr val="FF0000"/>
                           </a:solidFill>
+                          <a:latin typeface="Cambria Math" panose="02040503050406030204" pitchFamily="18" charset="0"/>
                         </a:rPr>
                         <m:t>7</m:t>
                       </m:r>
@@ -42837,6 +42945,7 @@
                           <a:solidFill>
                             <a:schemeClr val="tx1"/>
                           </a:solidFill>
+                          <a:latin typeface="Cambria Math" panose="02040503050406030204" pitchFamily="18" charset="0"/>
                         </a:rPr>
                         <m:t>7,0</m:t>
                       </m:r>
@@ -42848,6 +42957,7 @@
                           <a:solidFill>
                             <a:schemeClr val="tx1"/>
                           </a:solidFill>
+                          <a:latin typeface="Cambria Math" panose="02040503050406030204" pitchFamily="18" charset="0"/>
                         </a:rPr>
                         <m:t>x</m:t>
                       </m:r>
@@ -42856,6 +42966,7 @@
                           <a:solidFill>
                             <a:srgbClr val="FF0000"/>
                           </a:solidFill>
+                          <a:latin typeface="Cambria Math" panose="02040503050406030204" pitchFamily="18" charset="0"/>
                         </a:rPr>
                         <m:t>0</m:t>
                       </m:r>
@@ -42864,6 +42975,7 @@
                           <a:solidFill>
                             <a:schemeClr val="tx1"/>
                           </a:solidFill>
+                          <a:latin typeface="Cambria Math" panose="02040503050406030204" pitchFamily="18" charset="0"/>
                         </a:rPr>
                         <m:t>0,0</m:t>
                       </m:r>
@@ -42875,6 +42987,7 @@
                           <a:solidFill>
                             <a:schemeClr val="tx1"/>
                           </a:solidFill>
+                          <a:latin typeface="Cambria Math" panose="02040503050406030204" pitchFamily="18" charset="0"/>
                         </a:rPr>
                         <m:t>x</m:t>
                       </m:r>
@@ -42883,6 +42996,7 @@
                           <a:solidFill>
                             <a:schemeClr val="tx1"/>
                           </a:solidFill>
+                          <a:latin typeface="Cambria Math" panose="02040503050406030204" pitchFamily="18" charset="0"/>
                         </a:rPr>
                         <m:t>1</m:t>
                       </m:r>
@@ -42891,6 +43005,7 @@
                           <a:solidFill>
                             <a:schemeClr val="tx1"/>
                           </a:solidFill>
+                          <a:latin typeface="Cambria Math" panose="02040503050406030204" pitchFamily="18" charset="0"/>
                         </a:rPr>
                         <m:t>1,0</m:t>
                       </m:r>
@@ -42902,6 +43017,7 @@
                           <a:solidFill>
                             <a:schemeClr val="tx1"/>
                           </a:solidFill>
+                          <a:latin typeface="Cambria Math" panose="02040503050406030204" pitchFamily="18" charset="0"/>
                         </a:rPr>
                         <m:t>x</m:t>
                       </m:r>
@@ -42910,6 +43026,7 @@
                           <a:solidFill>
                             <a:schemeClr val="tx1"/>
                           </a:solidFill>
+                          <a:latin typeface="Cambria Math" panose="02040503050406030204" pitchFamily="18" charset="0"/>
                         </a:rPr>
                         <m:t>2</m:t>
                       </m:r>
@@ -42918,6 +43035,7 @@
                           <a:solidFill>
                             <a:schemeClr val="tx1"/>
                           </a:solidFill>
+                          <a:latin typeface="Cambria Math" panose="02040503050406030204" pitchFamily="18" charset="0"/>
                         </a:rPr>
                         <m:t>2,0</m:t>
                       </m:r>
@@ -42929,6 +43047,7 @@
                           <a:solidFill>
                             <a:schemeClr val="tx1"/>
                           </a:solidFill>
+                          <a:latin typeface="Cambria Math" panose="02040503050406030204" pitchFamily="18" charset="0"/>
                         </a:rPr>
                         <m:t>x</m:t>
                       </m:r>
@@ -42937,6 +43056,7 @@
                           <a:solidFill>
                             <a:schemeClr val="tx1"/>
                           </a:solidFill>
+                          <a:latin typeface="Cambria Math" panose="02040503050406030204" pitchFamily="18" charset="0"/>
                         </a:rPr>
                         <m:t>3</m:t>
                       </m:r>
@@ -42945,6 +43065,7 @@
                           <a:solidFill>
                             <a:schemeClr val="tx1"/>
                           </a:solidFill>
+                          <a:latin typeface="Cambria Math" panose="02040503050406030204" pitchFamily="18" charset="0"/>
                         </a:rPr>
                         <m:t>3,0</m:t>
                       </m:r>
@@ -42956,6 +43077,7 @@
                           <a:solidFill>
                             <a:schemeClr val="tx1"/>
                           </a:solidFill>
+                          <a:latin typeface="Cambria Math" panose="02040503050406030204" pitchFamily="18" charset="0"/>
                         </a:rPr>
                         <m:t>x</m:t>
                       </m:r>
@@ -42964,6 +43086,7 @@
                           <a:solidFill>
                             <a:schemeClr val="tx1"/>
                           </a:solidFill>
+                          <a:latin typeface="Cambria Math" panose="02040503050406030204" pitchFamily="18" charset="0"/>
                         </a:rPr>
                         <m:t>4</m:t>
                       </m:r>
@@ -42972,6 +43095,7 @@
                           <a:solidFill>
                             <a:schemeClr val="tx1"/>
                           </a:solidFill>
+                          <a:latin typeface="Cambria Math" panose="02040503050406030204" pitchFamily="18" charset="0"/>
                         </a:rPr>
                         <m:t>4,0</m:t>
                       </m:r>
@@ -42983,6 +43107,7 @@
                           <a:solidFill>
                             <a:schemeClr val="tx1"/>
                           </a:solidFill>
+                          <a:latin typeface="Cambria Math" panose="02040503050406030204" pitchFamily="18" charset="0"/>
                         </a:rPr>
                         <m:t>x</m:t>
                       </m:r>
@@ -42991,6 +43116,7 @@
                           <a:solidFill>
                             <a:srgbClr val="FF0000"/>
                           </a:solidFill>
+                          <a:latin typeface="Cambria Math" panose="02040503050406030204" pitchFamily="18" charset="0"/>
                         </a:rPr>
                         <m:t>5</m:t>
                       </m:r>
@@ -42999,6 +43125,7 @@
                           <a:solidFill>
                             <a:schemeClr val="tx1"/>
                           </a:solidFill>
+                          <a:latin typeface="Cambria Math" panose="02040503050406030204" pitchFamily="18" charset="0"/>
                         </a:rPr>
                         <m:t>5,0</m:t>
                       </m:r>
@@ -43010,6 +43137,7 @@
                           <a:solidFill>
                             <a:schemeClr val="tx1"/>
                           </a:solidFill>
+                          <a:latin typeface="Cambria Math" panose="02040503050406030204" pitchFamily="18" charset="0"/>
                         </a:rPr>
                         <m:t>x</m:t>
                       </m:r>
@@ -43018,6 +43146,7 @@
                           <a:solidFill>
                             <a:schemeClr val="tx1"/>
                           </a:solidFill>
+                          <a:latin typeface="Cambria Math" panose="02040503050406030204" pitchFamily="18" charset="0"/>
                         </a:rPr>
                         <m:t>6</m:t>
                       </m:r>
@@ -43026,6 +43155,7 @@
                           <a:solidFill>
                             <a:schemeClr val="tx1"/>
                           </a:solidFill>
+                          <a:latin typeface="Cambria Math" panose="02040503050406030204" pitchFamily="18" charset="0"/>
                         </a:rPr>
                         <m:t>6,0</m:t>
                       </m:r>
@@ -43037,6 +43167,7 @@
                           <a:solidFill>
                             <a:schemeClr val="tx1"/>
                           </a:solidFill>
+                          <a:latin typeface="Cambria Math" panose="02040503050406030204" pitchFamily="18" charset="0"/>
                         </a:rPr>
                         <m:t>x</m:t>
                       </m:r>
@@ -43045,6 +43176,7 @@
                           <a:solidFill>
                             <a:schemeClr val="tx1"/>
                           </a:solidFill>
+                          <a:latin typeface="Cambria Math" panose="02040503050406030204" pitchFamily="18" charset="0"/>
                         </a:rPr>
                         <m:t>7</m:t>
                       </m:r>
@@ -43053,6 +43185,7 @@
                           <a:solidFill>
                             <a:schemeClr val="tx1"/>
                           </a:solidFill>
+                          <a:latin typeface="Cambria Math" panose="02040503050406030204" pitchFamily="18" charset="0"/>
                         </a:rPr>
                         <m:t>7)</m:t>
                       </m:r>
@@ -43064,7 +43197,7 @@
             </p:txBody>
           </p:sp>
         </mc:Choice>
-        <mc:Fallback>
+        <mc:Fallback xmlns="">
           <p:sp>
             <p:nvSpPr>
               <p:cNvPr id="7" name="文本框 6"/>
@@ -43103,37 +43236,6 @@
           </p:sp>
         </mc:Fallback>
       </mc:AlternateContent>
-      <p:sp>
-        <p:nvSpPr>
-          <p:cNvPr id="3" name="页脚占位符 2"/>
-          <p:cNvSpPr>
-            <a:spLocks noGrp="1"/>
-          </p:cNvSpPr>
-          <p:nvPr>
-            <p:ph type="ftr" sz="quarter" idx="11"/>
-          </p:nvPr>
-        </p:nvSpPr>
-        <p:spPr/>
-        <p:txBody>
-          <a:bodyPr/>
-          <a:lstStyle/>
-          <a:p>
-            <a:r>
-              <a:rPr lang="zh-CN" altLang="en-US" smtClean="0"/>
-              <a:t>共</a:t>
-            </a:r>
-            <a:r>
-              <a:rPr lang="en-US" altLang="zh-CN" smtClean="0"/>
-              <a:t>38</a:t>
-            </a:r>
-            <a:r>
-              <a:rPr lang="zh-CN" altLang="en-US" smtClean="0"/>
-              <a:t>页</a:t>
-            </a:r>
-            <a:endParaRPr lang="zh-CN" altLang="en-US"/>
-          </a:p>
-        </p:txBody>
-      </p:sp>
     </p:spTree>
     <p:extLst>
       <p:ext uri="{BB962C8B-B14F-4D97-AF65-F5344CB8AC3E}">
@@ -43211,8 +43313,8 @@
           <a:noFill/>
         </p:spPr>
       </p:pic>
-      <mc:AlternateContent xmlns:mc="http://schemas.openxmlformats.org/markup-compatibility/2006">
-        <mc:Choice xmlns:a14="http://schemas.microsoft.com/office/drawing/2010/main" Requires="a14">
+      <mc:AlternateContent xmlns:mc="http://schemas.openxmlformats.org/markup-compatibility/2006" xmlns:a14="http://schemas.microsoft.com/office/drawing/2010/main">
+        <mc:Choice Requires="a14">
           <p:sp>
             <p:nvSpPr>
               <p:cNvPr id="2" name="标题 1"/>
@@ -43409,7 +43511,7 @@
             </p:txBody>
           </p:sp>
         </mc:Choice>
-        <mc:Fallback>
+        <mc:Fallback xmlns="">
           <p:sp>
             <p:nvSpPr>
               <p:cNvPr id="2" name="标题 1"/>
@@ -43466,8 +43568,8 @@
           </a:p>
         </p:txBody>
       </p:sp>
-      <mc:AlternateContent xmlns:mc="http://schemas.openxmlformats.org/markup-compatibility/2006">
-        <mc:Choice xmlns:a14="http://schemas.microsoft.com/office/drawing/2010/main" Requires="a14">
+      <mc:AlternateContent xmlns:mc="http://schemas.openxmlformats.org/markup-compatibility/2006" xmlns:a14="http://schemas.microsoft.com/office/drawing/2010/main">
+        <mc:Choice Requires="a14">
           <p:sp>
             <p:nvSpPr>
               <p:cNvPr id="7" name="文本框 6"/>
@@ -43490,6 +43592,7 @@
               </a:bodyPr>
               <a:lstStyle/>
               <a:p>
+                <a:pPr/>
                 <a14:m>
                   <m:oMathPara xmlns:m="http://schemas.openxmlformats.org/officeDocument/2006/math">
                     <m:oMathParaPr>
@@ -43509,7 +43612,9 @@
                         <m:t>=</m:t>
                       </m:r>
                       <m:r>
-                        <a:rPr lang="en-US" altLang="zh-CN" sz="1400"/>
+                        <a:rPr lang="en-US" altLang="zh-CN" sz="1400">
+                          <a:latin typeface="Cambria Math" panose="02040503050406030204" pitchFamily="18" charset="0"/>
+                        </a:rPr>
                         <m:t>(</m:t>
                       </m:r>
                       <m:r>
@@ -43517,6 +43622,7 @@
                           <a:solidFill>
                             <a:schemeClr val="tx1"/>
                           </a:solidFill>
+                          <a:latin typeface="Cambria Math" panose="02040503050406030204" pitchFamily="18" charset="0"/>
                         </a:rPr>
                         <m:t>0</m:t>
                       </m:r>
@@ -43528,6 +43634,7 @@
                           <a:solidFill>
                             <a:schemeClr val="tx1"/>
                           </a:solidFill>
+                          <a:latin typeface="Cambria Math" panose="02040503050406030204" pitchFamily="18" charset="0"/>
                         </a:rPr>
                         <m:t>x</m:t>
                       </m:r>
@@ -43536,6 +43643,7 @@
                           <a:solidFill>
                             <a:schemeClr val="tx1"/>
                           </a:solidFill>
+                          <a:latin typeface="Cambria Math" panose="02040503050406030204" pitchFamily="18" charset="0"/>
                         </a:rPr>
                         <m:t>00,0</m:t>
                       </m:r>
@@ -43547,6 +43655,7 @@
                           <a:solidFill>
                             <a:schemeClr val="tx1"/>
                           </a:solidFill>
+                          <a:latin typeface="Cambria Math" panose="02040503050406030204" pitchFamily="18" charset="0"/>
                         </a:rPr>
                         <m:t>x</m:t>
                       </m:r>
@@ -43555,6 +43664,7 @@
                           <a:solidFill>
                             <a:srgbClr val="FF0000"/>
                           </a:solidFill>
+                          <a:latin typeface="Cambria Math" panose="02040503050406030204" pitchFamily="18" charset="0"/>
                         </a:rPr>
                         <m:t>1</m:t>
                       </m:r>
@@ -43563,6 +43673,7 @@
                           <a:solidFill>
                             <a:schemeClr val="tx1"/>
                           </a:solidFill>
+                          <a:latin typeface="Cambria Math" panose="02040503050406030204" pitchFamily="18" charset="0"/>
                         </a:rPr>
                         <m:t>1,0</m:t>
                       </m:r>
@@ -43574,6 +43685,7 @@
                           <a:solidFill>
                             <a:schemeClr val="tx1"/>
                           </a:solidFill>
+                          <a:latin typeface="Cambria Math" panose="02040503050406030204" pitchFamily="18" charset="0"/>
                         </a:rPr>
                         <m:t>x</m:t>
                       </m:r>
@@ -43582,6 +43694,7 @@
                           <a:solidFill>
                             <a:schemeClr val="tx1"/>
                           </a:solidFill>
+                          <a:latin typeface="Cambria Math" panose="02040503050406030204" pitchFamily="18" charset="0"/>
                         </a:rPr>
                         <m:t>2</m:t>
                       </m:r>
@@ -43590,6 +43703,7 @@
                           <a:solidFill>
                             <a:schemeClr val="tx1"/>
                           </a:solidFill>
+                          <a:latin typeface="Cambria Math" panose="02040503050406030204" pitchFamily="18" charset="0"/>
                         </a:rPr>
                         <m:t>2,0</m:t>
                       </m:r>
@@ -43601,6 +43715,7 @@
                           <a:solidFill>
                             <a:schemeClr val="tx1"/>
                           </a:solidFill>
+                          <a:latin typeface="Cambria Math" panose="02040503050406030204" pitchFamily="18" charset="0"/>
                         </a:rPr>
                         <m:t>x</m:t>
                       </m:r>
@@ -43609,6 +43724,7 @@
                           <a:solidFill>
                             <a:schemeClr val="tx1"/>
                           </a:solidFill>
+                          <a:latin typeface="Cambria Math" panose="02040503050406030204" pitchFamily="18" charset="0"/>
                         </a:rPr>
                         <m:t>3</m:t>
                       </m:r>
@@ -43617,6 +43733,7 @@
                           <a:solidFill>
                             <a:schemeClr val="tx1"/>
                           </a:solidFill>
+                          <a:latin typeface="Cambria Math" panose="02040503050406030204" pitchFamily="18" charset="0"/>
                         </a:rPr>
                         <m:t>3,0</m:t>
                       </m:r>
@@ -43628,6 +43745,7 @@
                           <a:solidFill>
                             <a:schemeClr val="tx1"/>
                           </a:solidFill>
+                          <a:latin typeface="Cambria Math" panose="02040503050406030204" pitchFamily="18" charset="0"/>
                         </a:rPr>
                         <m:t>x</m:t>
                       </m:r>
@@ -43636,6 +43754,7 @@
                           <a:solidFill>
                             <a:schemeClr val="tx1"/>
                           </a:solidFill>
+                          <a:latin typeface="Cambria Math" panose="02040503050406030204" pitchFamily="18" charset="0"/>
                         </a:rPr>
                         <m:t>4</m:t>
                       </m:r>
@@ -43644,6 +43763,7 @@
                           <a:solidFill>
                             <a:schemeClr val="tx1"/>
                           </a:solidFill>
+                          <a:latin typeface="Cambria Math" panose="02040503050406030204" pitchFamily="18" charset="0"/>
                         </a:rPr>
                         <m:t>4,0</m:t>
                       </m:r>
@@ -43655,6 +43775,7 @@
                           <a:solidFill>
                             <a:schemeClr val="tx1"/>
                           </a:solidFill>
+                          <a:latin typeface="Cambria Math" panose="02040503050406030204" pitchFamily="18" charset="0"/>
                         </a:rPr>
                         <m:t>x</m:t>
                       </m:r>
@@ -43663,6 +43784,7 @@
                           <a:solidFill>
                             <a:schemeClr val="tx1"/>
                           </a:solidFill>
+                          <a:latin typeface="Cambria Math" panose="02040503050406030204" pitchFamily="18" charset="0"/>
                         </a:rPr>
                         <m:t>5</m:t>
                       </m:r>
@@ -43671,6 +43793,7 @@
                           <a:solidFill>
                             <a:schemeClr val="tx1"/>
                           </a:solidFill>
+                          <a:latin typeface="Cambria Math" panose="02040503050406030204" pitchFamily="18" charset="0"/>
                         </a:rPr>
                         <m:t>5,0</m:t>
                       </m:r>
@@ -43682,6 +43805,7 @@
                           <a:solidFill>
                             <a:schemeClr val="tx1"/>
                           </a:solidFill>
+                          <a:latin typeface="Cambria Math" panose="02040503050406030204" pitchFamily="18" charset="0"/>
                         </a:rPr>
                         <m:t>x</m:t>
                       </m:r>
@@ -43690,6 +43814,7 @@
                           <a:solidFill>
                             <a:srgbClr val="FF0000"/>
                           </a:solidFill>
+                          <a:latin typeface="Cambria Math" panose="02040503050406030204" pitchFamily="18" charset="0"/>
                         </a:rPr>
                         <m:t>6</m:t>
                       </m:r>
@@ -43698,6 +43823,7 @@
                           <a:solidFill>
                             <a:schemeClr val="tx1"/>
                           </a:solidFill>
+                          <a:latin typeface="Cambria Math" panose="02040503050406030204" pitchFamily="18" charset="0"/>
                         </a:rPr>
                         <m:t>6,0</m:t>
                       </m:r>
@@ -43709,6 +43835,7 @@
                           <a:solidFill>
                             <a:schemeClr val="tx1"/>
                           </a:solidFill>
+                          <a:latin typeface="Cambria Math" panose="02040503050406030204" pitchFamily="18" charset="0"/>
                         </a:rPr>
                         <m:t>x</m:t>
                       </m:r>
@@ -43717,6 +43844,7 @@
                           <a:solidFill>
                             <a:schemeClr val="tx1"/>
                           </a:solidFill>
+                          <a:latin typeface="Cambria Math" panose="02040503050406030204" pitchFamily="18" charset="0"/>
                         </a:rPr>
                         <m:t>7</m:t>
                       </m:r>
@@ -43725,6 +43853,7 @@
                           <a:solidFill>
                             <a:schemeClr val="tx1"/>
                           </a:solidFill>
+                          <a:latin typeface="Cambria Math" panose="02040503050406030204" pitchFamily="18" charset="0"/>
                         </a:rPr>
                         <m:t>7,0</m:t>
                       </m:r>
@@ -43736,6 +43865,7 @@
                           <a:solidFill>
                             <a:schemeClr val="tx1"/>
                           </a:solidFill>
+                          <a:latin typeface="Cambria Math" panose="02040503050406030204" pitchFamily="18" charset="0"/>
                         </a:rPr>
                         <m:t>x</m:t>
                       </m:r>
@@ -43744,6 +43874,7 @@
                           <a:solidFill>
                             <a:schemeClr val="tx1"/>
                           </a:solidFill>
+                          <a:latin typeface="Cambria Math" panose="02040503050406030204" pitchFamily="18" charset="0"/>
                         </a:rPr>
                         <m:t>0</m:t>
                       </m:r>
@@ -43752,6 +43883,7 @@
                           <a:solidFill>
                             <a:schemeClr val="tx1"/>
                           </a:solidFill>
+                          <a:latin typeface="Cambria Math" panose="02040503050406030204" pitchFamily="18" charset="0"/>
                         </a:rPr>
                         <m:t>0,0</m:t>
                       </m:r>
@@ -43763,6 +43895,7 @@
                           <a:solidFill>
                             <a:schemeClr val="tx1"/>
                           </a:solidFill>
+                          <a:latin typeface="Cambria Math" panose="02040503050406030204" pitchFamily="18" charset="0"/>
                         </a:rPr>
                         <m:t>x</m:t>
                       </m:r>
@@ -43771,6 +43904,7 @@
                           <a:solidFill>
                             <a:schemeClr val="tx1"/>
                           </a:solidFill>
+                          <a:latin typeface="Cambria Math" panose="02040503050406030204" pitchFamily="18" charset="0"/>
                         </a:rPr>
                         <m:t>1</m:t>
                       </m:r>
@@ -43779,6 +43913,7 @@
                           <a:solidFill>
                             <a:schemeClr val="tx1"/>
                           </a:solidFill>
+                          <a:latin typeface="Cambria Math" panose="02040503050406030204" pitchFamily="18" charset="0"/>
                         </a:rPr>
                         <m:t>1,0</m:t>
                       </m:r>
@@ -43790,6 +43925,7 @@
                           <a:solidFill>
                             <a:schemeClr val="tx1"/>
                           </a:solidFill>
+                          <a:latin typeface="Cambria Math" panose="02040503050406030204" pitchFamily="18" charset="0"/>
                         </a:rPr>
                         <m:t>x</m:t>
                       </m:r>
@@ -43798,6 +43934,7 @@
                           <a:solidFill>
                             <a:schemeClr val="tx1"/>
                           </a:solidFill>
+                          <a:latin typeface="Cambria Math" panose="02040503050406030204" pitchFamily="18" charset="0"/>
                         </a:rPr>
                         <m:t>2</m:t>
                       </m:r>
@@ -43806,6 +43943,7 @@
                           <a:solidFill>
                             <a:schemeClr val="tx1"/>
                           </a:solidFill>
+                          <a:latin typeface="Cambria Math" panose="02040503050406030204" pitchFamily="18" charset="0"/>
                         </a:rPr>
                         <m:t>2,0</m:t>
                       </m:r>
@@ -43817,6 +43955,7 @@
                           <a:solidFill>
                             <a:schemeClr val="tx1"/>
                           </a:solidFill>
+                          <a:latin typeface="Cambria Math" panose="02040503050406030204" pitchFamily="18" charset="0"/>
                         </a:rPr>
                         <m:t>x</m:t>
                       </m:r>
@@ -43825,6 +43964,7 @@
                           <a:solidFill>
                             <a:srgbClr val="FF0000"/>
                           </a:solidFill>
+                          <a:latin typeface="Cambria Math" panose="02040503050406030204" pitchFamily="18" charset="0"/>
                         </a:rPr>
                         <m:t>3</m:t>
                       </m:r>
@@ -43833,6 +43973,7 @@
                           <a:solidFill>
                             <a:schemeClr val="tx1"/>
                           </a:solidFill>
+                          <a:latin typeface="Cambria Math" panose="02040503050406030204" pitchFamily="18" charset="0"/>
                         </a:rPr>
                         <m:t>3,0</m:t>
                       </m:r>
@@ -43844,6 +43985,7 @@
                           <a:solidFill>
                             <a:schemeClr val="tx1"/>
                           </a:solidFill>
+                          <a:latin typeface="Cambria Math" panose="02040503050406030204" pitchFamily="18" charset="0"/>
                         </a:rPr>
                         <m:t>x</m:t>
                       </m:r>
@@ -43852,6 +43994,7 @@
                           <a:solidFill>
                             <a:srgbClr val="FF0000"/>
                           </a:solidFill>
+                          <a:latin typeface="Cambria Math" panose="02040503050406030204" pitchFamily="18" charset="0"/>
                         </a:rPr>
                         <m:t>4</m:t>
                       </m:r>
@@ -43860,6 +44003,7 @@
                           <a:solidFill>
                             <a:schemeClr val="tx1"/>
                           </a:solidFill>
+                          <a:latin typeface="Cambria Math" panose="02040503050406030204" pitchFamily="18" charset="0"/>
                         </a:rPr>
                         <m:t>4,0</m:t>
                       </m:r>
@@ -43871,6 +44015,7 @@
                           <a:solidFill>
                             <a:schemeClr val="tx1"/>
                           </a:solidFill>
+                          <a:latin typeface="Cambria Math" panose="02040503050406030204" pitchFamily="18" charset="0"/>
                         </a:rPr>
                         <m:t>x</m:t>
                       </m:r>
@@ -43879,6 +44024,7 @@
                           <a:solidFill>
                             <a:schemeClr val="tx1"/>
                           </a:solidFill>
+                          <a:latin typeface="Cambria Math" panose="02040503050406030204" pitchFamily="18" charset="0"/>
                         </a:rPr>
                         <m:t>5</m:t>
                       </m:r>
@@ -43887,6 +44033,7 @@
                           <a:solidFill>
                             <a:schemeClr val="tx1"/>
                           </a:solidFill>
+                          <a:latin typeface="Cambria Math" panose="02040503050406030204" pitchFamily="18" charset="0"/>
                         </a:rPr>
                         <m:t>5,0</m:t>
                       </m:r>
@@ -43898,6 +44045,7 @@
                           <a:solidFill>
                             <a:schemeClr val="tx1"/>
                           </a:solidFill>
+                          <a:latin typeface="Cambria Math" panose="02040503050406030204" pitchFamily="18" charset="0"/>
                         </a:rPr>
                         <m:t>x</m:t>
                       </m:r>
@@ -43906,6 +44054,7 @@
                           <a:solidFill>
                             <a:schemeClr val="tx1"/>
                           </a:solidFill>
+                          <a:latin typeface="Cambria Math" panose="02040503050406030204" pitchFamily="18" charset="0"/>
                         </a:rPr>
                         <m:t>6</m:t>
                       </m:r>
@@ -43914,6 +44063,7 @@
                           <a:solidFill>
                             <a:schemeClr val="tx1"/>
                           </a:solidFill>
+                          <a:latin typeface="Cambria Math" panose="02040503050406030204" pitchFamily="18" charset="0"/>
                         </a:rPr>
                         <m:t>6,0</m:t>
                       </m:r>
@@ -43925,6 +44075,7 @@
                           <a:solidFill>
                             <a:schemeClr val="tx1"/>
                           </a:solidFill>
+                          <a:latin typeface="Cambria Math" panose="02040503050406030204" pitchFamily="18" charset="0"/>
                         </a:rPr>
                         <m:t>x</m:t>
                       </m:r>
@@ -43933,6 +44084,7 @@
                           <a:solidFill>
                             <a:schemeClr val="tx1"/>
                           </a:solidFill>
+                          <a:latin typeface="Cambria Math" panose="02040503050406030204" pitchFamily="18" charset="0"/>
                         </a:rPr>
                         <m:t>7</m:t>
                       </m:r>
@@ -43941,6 +44093,7 @@
                           <a:solidFill>
                             <a:schemeClr val="tx1"/>
                           </a:solidFill>
+                          <a:latin typeface="Cambria Math" panose="02040503050406030204" pitchFamily="18" charset="0"/>
                         </a:rPr>
                         <m:t>7)</m:t>
                       </m:r>
@@ -43952,7 +44105,7 @@
             </p:txBody>
           </p:sp>
         </mc:Choice>
-        <mc:Fallback>
+        <mc:Fallback xmlns="">
           <p:sp>
             <p:nvSpPr>
               <p:cNvPr id="7" name="文本框 6"/>
@@ -43991,37 +44144,6 @@
           </p:sp>
         </mc:Fallback>
       </mc:AlternateContent>
-      <p:sp>
-        <p:nvSpPr>
-          <p:cNvPr id="3" name="页脚占位符 2"/>
-          <p:cNvSpPr>
-            <a:spLocks noGrp="1"/>
-          </p:cNvSpPr>
-          <p:nvPr>
-            <p:ph type="ftr" sz="quarter" idx="11"/>
-          </p:nvPr>
-        </p:nvSpPr>
-        <p:spPr/>
-        <p:txBody>
-          <a:bodyPr/>
-          <a:lstStyle/>
-          <a:p>
-            <a:r>
-              <a:rPr lang="zh-CN" altLang="en-US" smtClean="0"/>
-              <a:t>共</a:t>
-            </a:r>
-            <a:r>
-              <a:rPr lang="en-US" altLang="zh-CN" smtClean="0"/>
-              <a:t>38</a:t>
-            </a:r>
-            <a:r>
-              <a:rPr lang="zh-CN" altLang="en-US" smtClean="0"/>
-              <a:t>页</a:t>
-            </a:r>
-            <a:endParaRPr lang="zh-CN" altLang="en-US"/>
-          </a:p>
-        </p:txBody>
-      </p:sp>
     </p:spTree>
     <p:extLst>
       <p:ext uri="{BB962C8B-B14F-4D97-AF65-F5344CB8AC3E}">
@@ -44879,7 +45001,6 @@
               <a:rPr lang="zh-CN" altLang="en-US" dirty="0"/>
               <a:t>总结</a:t>
             </a:r>
-            <a:endParaRPr lang="zh-CN" altLang="en-US" dirty="0"/>
           </a:p>
         </p:txBody>
       </p:sp>
@@ -45734,7 +45855,6 @@
               <a:rPr lang="zh-CN" altLang="en-US" dirty="0"/>
               <a:t>目标</a:t>
             </a:r>
-            <a:endParaRPr lang="zh-CN" altLang="en-US" dirty="0"/>
           </a:p>
         </p:txBody>
       </p:sp>
@@ -45794,11 +45914,7 @@
             </a:r>
             <a:r>
               <a:rPr lang="zh-CN" altLang="en-US" sz="2400" dirty="0"/>
-              <a:t>加密算法进行</a:t>
-            </a:r>
-            <a:r>
-              <a:rPr lang="zh-CN" altLang="en-US" sz="2400" dirty="0"/>
-              <a:t>攻击</a:t>
+              <a:t>加密算法进行攻击</a:t>
             </a:r>
             <a:endParaRPr lang="en-US" altLang="zh-CN" sz="2400" dirty="0"/>
           </a:p>

--- a/毕业答辩终板.pptx
+++ b/毕业答辩终板.pptx
@@ -4898,7 +4898,7 @@
           <a:p>
             <a:fld id="{16FB6A8C-1851-48A9-9B71-A35154A2CE81}" type="datetime1">
               <a:rPr lang="zh-CN" altLang="en-US" smtClean="0"/>
-              <a:t>2018/3/8</a:t>
+              <a:t>2018/3/9</a:t>
             </a:fld>
             <a:endParaRPr lang="zh-CN" altLang="en-US"/>
           </a:p>
@@ -5067,7 +5067,7 @@
           <a:p>
             <a:fld id="{46E1CBE9-6BF2-4ED3-9190-FF15310012E5}" type="datetime1">
               <a:rPr lang="zh-CN" altLang="en-US" smtClean="0"/>
-              <a:t>2018/3/8</a:t>
+              <a:t>2018/3/9</a:t>
             </a:fld>
             <a:endParaRPr lang="zh-CN" altLang="en-US"/>
           </a:p>
@@ -5740,7 +5740,7 @@
           <a:p>
             <a:fld id="{809A134D-5034-4E87-B757-BE2456010956}" type="datetime1">
               <a:rPr lang="zh-CN" altLang="en-US" smtClean="0"/>
-              <a:t>2018/3/8</a:t>
+              <a:t>2018/3/9</a:t>
             </a:fld>
             <a:endParaRPr lang="zh-CN" altLang="en-US"/>
           </a:p>
@@ -6084,7 +6084,7 @@
           <a:p>
             <a:fld id="{F8DA8E15-8763-474A-8D26-052DC3033E6E}" type="datetime1">
               <a:rPr lang="zh-CN" altLang="en-US" smtClean="0"/>
-              <a:t>2018/3/8</a:t>
+              <a:t>2018/3/9</a:t>
             </a:fld>
             <a:endParaRPr lang="zh-CN" altLang="en-US"/>
           </a:p>
@@ -6495,7 +6495,7 @@
           <a:p>
             <a:fld id="{EB6F474C-9DA7-489C-B7FA-05AC4B19BB16}" type="datetime1">
               <a:rPr lang="zh-CN" altLang="en-US" smtClean="0"/>
-              <a:t>2018/3/8</a:t>
+              <a:t>2018/3/9</a:t>
             </a:fld>
             <a:endParaRPr lang="zh-CN" altLang="en-US"/>
           </a:p>
@@ -6841,7 +6841,7 @@
           <a:p>
             <a:fld id="{420FC1DD-1A87-4FA3-A45D-C6DB00C77C0A}" type="datetime1">
               <a:rPr lang="zh-CN" altLang="en-US" smtClean="0"/>
-              <a:t>2018/3/8</a:t>
+              <a:t>2018/3/9</a:t>
             </a:fld>
             <a:endParaRPr lang="zh-CN" altLang="en-US"/>
           </a:p>
@@ -7171,7 +7171,7 @@
           <a:p>
             <a:fld id="{04D45F62-0214-40B5-A8B7-FD5A5F699639}" type="datetime1">
               <a:rPr lang="zh-CN" altLang="en-US" smtClean="0"/>
-              <a:t>2018/3/8</a:t>
+              <a:t>2018/3/9</a:t>
             </a:fld>
             <a:endParaRPr lang="zh-CN" altLang="en-US"/>
           </a:p>
@@ -7577,7 +7577,7 @@
           <a:p>
             <a:fld id="{373A25F1-65F1-4153-AEF0-CA01291EA2BD}" type="datetime1">
               <a:rPr lang="zh-CN" altLang="en-US" smtClean="0"/>
-              <a:t>2018/3/8</a:t>
+              <a:t>2018/3/9</a:t>
             </a:fld>
             <a:endParaRPr lang="zh-CN" altLang="en-US"/>
           </a:p>
@@ -7844,7 +7844,7 @@
           <a:p>
             <a:fld id="{9501F5B9-55AE-4577-9BBF-0FD121FA0A82}" type="datetime1">
               <a:rPr lang="zh-CN" altLang="en-US" smtClean="0"/>
-              <a:t>2018/3/8</a:t>
+              <a:t>2018/3/9</a:t>
             </a:fld>
             <a:endParaRPr lang="zh-CN" altLang="en-US"/>
           </a:p>
@@ -8116,7 +8116,7 @@
           <a:p>
             <a:fld id="{472907BC-4E9B-4C58-B8CE-7265893536F2}" type="datetime1">
               <a:rPr lang="zh-CN" altLang="en-US" smtClean="0"/>
-              <a:t>2018/3/8</a:t>
+              <a:t>2018/3/9</a:t>
             </a:fld>
             <a:endParaRPr lang="zh-CN" altLang="en-US"/>
           </a:p>
@@ -8388,7 +8388,7 @@
           <a:p>
             <a:fld id="{E95A93CE-48DC-4098-8222-25A8A3951104}" type="datetime1">
               <a:rPr lang="zh-CN" altLang="en-US" smtClean="0"/>
-              <a:t>2018/3/8</a:t>
+              <a:t>2018/3/9</a:t>
             </a:fld>
             <a:endParaRPr lang="zh-CN" altLang="en-US"/>
           </a:p>
@@ -8727,7 +8727,7 @@
           <a:p>
             <a:fld id="{623FCBAB-8295-45D9-9A47-D48C8CD97C29}" type="datetime1">
               <a:rPr lang="zh-CN" altLang="en-US" smtClean="0"/>
-              <a:t>2018/3/8</a:t>
+              <a:t>2018/3/9</a:t>
             </a:fld>
             <a:endParaRPr lang="zh-CN" altLang="en-US"/>
           </a:p>
@@ -9060,7 +9060,7 @@
           <a:p>
             <a:fld id="{B449E7FA-077A-48CB-A4CA-9902FCB6B9A8}" type="datetime1">
               <a:rPr lang="zh-CN" altLang="en-US" smtClean="0"/>
-              <a:t>2018/3/8</a:t>
+              <a:t>2018/3/9</a:t>
             </a:fld>
             <a:endParaRPr lang="zh-CN" altLang="en-US"/>
           </a:p>
@@ -9527,7 +9527,7 @@
           <a:p>
             <a:fld id="{1A3361F2-08B0-4663-9AFC-70F822C35FA3}" type="datetime1">
               <a:rPr lang="zh-CN" altLang="en-US" smtClean="0"/>
-              <a:t>2018/3/8</a:t>
+              <a:t>2018/3/9</a:t>
             </a:fld>
             <a:endParaRPr lang="zh-CN" altLang="en-US"/>
           </a:p>
@@ -9747,7 +9747,7 @@
           <a:p>
             <a:fld id="{5B4BE87B-F364-45B6-8572-30E2C54DD2BA}" type="datetime1">
               <a:rPr lang="zh-CN" altLang="en-US" smtClean="0"/>
-              <a:t>2018/3/8</a:t>
+              <a:t>2018/3/9</a:t>
             </a:fld>
             <a:endParaRPr lang="zh-CN" altLang="en-US"/>
           </a:p>
@@ -9934,7 +9934,7 @@
           <a:p>
             <a:fld id="{2225F608-7544-4C44-B3C3-CFD1584FD155}" type="datetime1">
               <a:rPr lang="zh-CN" altLang="en-US" smtClean="0"/>
-              <a:t>2018/3/8</a:t>
+              <a:t>2018/3/9</a:t>
             </a:fld>
             <a:endParaRPr lang="zh-CN" altLang="en-US"/>
           </a:p>
@@ -10277,7 +10277,7 @@
           <a:p>
             <a:fld id="{D08B6323-DC20-4824-90F3-54EE8617DFB4}" type="datetime1">
               <a:rPr lang="zh-CN" altLang="en-US" smtClean="0"/>
-              <a:t>2018/3/8</a:t>
+              <a:t>2018/3/9</a:t>
             </a:fld>
             <a:endParaRPr lang="zh-CN" altLang="en-US"/>
           </a:p>
@@ -10632,7 +10632,7 @@
           <a:p>
             <a:fld id="{234118D6-BF36-4D67-A9E4-4028B07A2E04}" type="datetime1">
               <a:rPr lang="zh-CN" altLang="en-US" smtClean="0"/>
-              <a:t>2018/3/8</a:t>
+              <a:t>2018/3/9</a:t>
             </a:fld>
             <a:endParaRPr lang="zh-CN" altLang="en-US"/>
           </a:p>
@@ -12759,7 +12759,7 @@
           <a:p>
             <a:fld id="{33E1F433-CAD1-448B-9BA6-00BD0995B1BD}" type="datetime1">
               <a:rPr lang="zh-CN" altLang="en-US" smtClean="0"/>
-              <a:t>2018/3/8</a:t>
+              <a:t>2018/3/9</a:t>
             </a:fld>
             <a:endParaRPr lang="zh-CN" altLang="en-US"/>
           </a:p>
@@ -39130,536 +39130,41 @@
           </a:p>
         </p:txBody>
       </p:sp>
-      <p:grpSp>
-        <p:nvGrpSpPr>
-          <p:cNvPr id="41" name="组合 40"/>
-          <p:cNvGrpSpPr/>
+      <p:pic>
+        <p:nvPicPr>
+          <p:cNvPr id="3" name="图片 2"/>
+          <p:cNvPicPr>
+            <a:picLocks noChangeAspect="1"/>
+          </p:cNvPicPr>
           <p:nvPr/>
-        </p:nvGrpSpPr>
-        <p:grpSpPr>
+        </p:nvPicPr>
+        <p:blipFill>
+          <a:blip r:embed="rId2">
+            <a:clrChange>
+              <a:clrFrom>
+                <a:srgbClr val="FFFFFF"/>
+              </a:clrFrom>
+              <a:clrTo>
+                <a:srgbClr val="FFFFFF">
+                  <a:alpha val="0"/>
+                </a:srgbClr>
+              </a:clrTo>
+            </a:clrChange>
+          </a:blip>
+          <a:stretch>
+            <a:fillRect/>
+          </a:stretch>
+        </p:blipFill>
+        <p:spPr>
           <a:xfrm>
             <a:off x="1292469" y="1412534"/>
             <a:ext cx="6840416" cy="4723275"/>
-            <a:chOff x="1292469" y="1412534"/>
-            <a:chExt cx="6971666" cy="5356481"/>
           </a:xfrm>
-        </p:grpSpPr>
-        <p:pic>
-          <p:nvPicPr>
-            <p:cNvPr id="3" name="图片 2"/>
-            <p:cNvPicPr>
-              <a:picLocks noChangeAspect="1"/>
-            </p:cNvPicPr>
-            <p:nvPr/>
-          </p:nvPicPr>
-          <p:blipFill>
-            <a:blip r:embed="rId2">
-              <a:clrChange>
-                <a:clrFrom>
-                  <a:srgbClr val="FFFFFF"/>
-                </a:clrFrom>
-                <a:clrTo>
-                  <a:srgbClr val="FFFFFF">
-                    <a:alpha val="0"/>
-                  </a:srgbClr>
-                </a:clrTo>
-              </a:clrChange>
-            </a:blip>
-            <a:stretch>
-              <a:fillRect/>
-            </a:stretch>
-          </p:blipFill>
-          <p:spPr>
-            <a:xfrm>
-              <a:off x="1292469" y="1412534"/>
-              <a:ext cx="6971666" cy="5356481"/>
-            </a:xfrm>
-            <a:prstGeom prst="rect">
-              <a:avLst/>
-            </a:prstGeom>
-          </p:spPr>
-        </p:pic>
-        <p:cxnSp>
-          <p:nvCxnSpPr>
-            <p:cNvPr id="7" name="直接连接符 6"/>
-            <p:cNvCxnSpPr/>
-            <p:nvPr/>
-          </p:nvCxnSpPr>
-          <p:spPr>
-            <a:xfrm flipH="1">
-              <a:off x="1635369" y="1538654"/>
-              <a:ext cx="8793" cy="1028700"/>
-            </a:xfrm>
-            <a:prstGeom prst="line">
-              <a:avLst/>
-            </a:prstGeom>
-          </p:spPr>
-          <p:style>
-            <a:lnRef idx="3">
-              <a:schemeClr val="accent1"/>
-            </a:lnRef>
-            <a:fillRef idx="0">
-              <a:schemeClr val="accent1"/>
-            </a:fillRef>
-            <a:effectRef idx="2">
-              <a:schemeClr val="accent1"/>
-            </a:effectRef>
-            <a:fontRef idx="minor">
-              <a:schemeClr val="tx1"/>
-            </a:fontRef>
-          </p:style>
-        </p:cxnSp>
-        <p:cxnSp>
-          <p:nvCxnSpPr>
-            <p:cNvPr id="10" name="直接连接符 9"/>
-            <p:cNvCxnSpPr/>
-            <p:nvPr/>
-          </p:nvCxnSpPr>
-          <p:spPr>
-            <a:xfrm>
-              <a:off x="3446585" y="1538654"/>
-              <a:ext cx="0" cy="1028700"/>
-            </a:xfrm>
-            <a:prstGeom prst="line">
-              <a:avLst/>
-            </a:prstGeom>
-          </p:spPr>
-          <p:style>
-            <a:lnRef idx="3">
-              <a:schemeClr val="accent1"/>
-            </a:lnRef>
-            <a:fillRef idx="0">
-              <a:schemeClr val="accent1"/>
-            </a:fillRef>
-            <a:effectRef idx="2">
-              <a:schemeClr val="accent1"/>
-            </a:effectRef>
-            <a:fontRef idx="minor">
-              <a:schemeClr val="tx1"/>
-            </a:fontRef>
-          </p:style>
-        </p:cxnSp>
-        <p:cxnSp>
-          <p:nvCxnSpPr>
-            <p:cNvPr id="11" name="直接连接符 10"/>
-            <p:cNvCxnSpPr/>
-            <p:nvPr/>
-          </p:nvCxnSpPr>
-          <p:spPr>
-            <a:xfrm>
-              <a:off x="5251939" y="1538654"/>
-              <a:ext cx="14653" cy="1028700"/>
-            </a:xfrm>
-            <a:prstGeom prst="line">
-              <a:avLst/>
-            </a:prstGeom>
-          </p:spPr>
-          <p:style>
-            <a:lnRef idx="3">
-              <a:schemeClr val="accent1"/>
-            </a:lnRef>
-            <a:fillRef idx="0">
-              <a:schemeClr val="accent1"/>
-            </a:fillRef>
-            <a:effectRef idx="2">
-              <a:schemeClr val="accent1"/>
-            </a:effectRef>
-            <a:fontRef idx="minor">
-              <a:schemeClr val="tx1"/>
-            </a:fontRef>
-          </p:style>
-        </p:cxnSp>
-        <p:cxnSp>
-          <p:nvCxnSpPr>
-            <p:cNvPr id="13" name="直接连接符 12"/>
-            <p:cNvCxnSpPr/>
-            <p:nvPr/>
-          </p:nvCxnSpPr>
-          <p:spPr>
-            <a:xfrm>
-              <a:off x="7057292" y="1538654"/>
-              <a:ext cx="14653" cy="1028700"/>
-            </a:xfrm>
-            <a:prstGeom prst="line">
-              <a:avLst/>
-            </a:prstGeom>
-          </p:spPr>
-          <p:style>
-            <a:lnRef idx="3">
-              <a:schemeClr val="accent1"/>
-            </a:lnRef>
-            <a:fillRef idx="0">
-              <a:schemeClr val="accent1"/>
-            </a:fillRef>
-            <a:effectRef idx="2">
-              <a:schemeClr val="accent1"/>
-            </a:effectRef>
-            <a:fontRef idx="minor">
-              <a:schemeClr val="tx1"/>
-            </a:fontRef>
-          </p:style>
-        </p:cxnSp>
-        <p:cxnSp>
-          <p:nvCxnSpPr>
-            <p:cNvPr id="18" name="直接连接符 17"/>
-            <p:cNvCxnSpPr/>
-            <p:nvPr/>
-          </p:nvCxnSpPr>
-          <p:spPr>
-            <a:xfrm flipH="1">
-              <a:off x="1974969" y="2864603"/>
-              <a:ext cx="1" cy="1042113"/>
-            </a:xfrm>
-            <a:prstGeom prst="line">
-              <a:avLst/>
-            </a:prstGeom>
-          </p:spPr>
-          <p:style>
-            <a:lnRef idx="3">
-              <a:schemeClr val="accent1"/>
-            </a:lnRef>
-            <a:fillRef idx="0">
-              <a:schemeClr val="accent1"/>
-            </a:fillRef>
-            <a:effectRef idx="2">
-              <a:schemeClr val="accent1"/>
-            </a:effectRef>
-            <a:fontRef idx="minor">
-              <a:schemeClr val="tx1"/>
-            </a:fontRef>
-          </p:style>
-        </p:cxnSp>
-        <p:cxnSp>
-          <p:nvCxnSpPr>
-            <p:cNvPr id="20" name="直接连接符 19"/>
-            <p:cNvCxnSpPr/>
-            <p:nvPr/>
-          </p:nvCxnSpPr>
-          <p:spPr>
-            <a:xfrm>
-              <a:off x="3782940" y="2876551"/>
-              <a:ext cx="6545" cy="1030165"/>
-            </a:xfrm>
-            <a:prstGeom prst="line">
-              <a:avLst/>
-            </a:prstGeom>
-          </p:spPr>
-          <p:style>
-            <a:lnRef idx="3">
-              <a:schemeClr val="accent1"/>
-            </a:lnRef>
-            <a:fillRef idx="0">
-              <a:schemeClr val="accent1"/>
-            </a:fillRef>
-            <a:effectRef idx="2">
-              <a:schemeClr val="accent1"/>
-            </a:effectRef>
-            <a:fontRef idx="minor">
-              <a:schemeClr val="tx1"/>
-            </a:fontRef>
-          </p:style>
-        </p:cxnSp>
-        <p:cxnSp>
-          <p:nvCxnSpPr>
-            <p:cNvPr id="22" name="直接连接符 21"/>
-            <p:cNvCxnSpPr/>
-            <p:nvPr/>
-          </p:nvCxnSpPr>
-          <p:spPr>
-            <a:xfrm>
-              <a:off x="5591203" y="2876551"/>
-              <a:ext cx="24154" cy="1030165"/>
-            </a:xfrm>
-            <a:prstGeom prst="line">
-              <a:avLst/>
-            </a:prstGeom>
-          </p:spPr>
-          <p:style>
-            <a:lnRef idx="3">
-              <a:schemeClr val="accent1"/>
-            </a:lnRef>
-            <a:fillRef idx="0">
-              <a:schemeClr val="accent1"/>
-            </a:fillRef>
-            <a:effectRef idx="2">
-              <a:schemeClr val="accent1"/>
-            </a:effectRef>
-            <a:fontRef idx="minor">
-              <a:schemeClr val="tx1"/>
-            </a:fontRef>
-          </p:style>
-        </p:cxnSp>
-        <p:cxnSp>
-          <p:nvCxnSpPr>
-            <p:cNvPr id="24" name="直接连接符 23"/>
-            <p:cNvCxnSpPr/>
-            <p:nvPr/>
-          </p:nvCxnSpPr>
-          <p:spPr>
-            <a:xfrm>
-              <a:off x="7392921" y="2856359"/>
-              <a:ext cx="24154" cy="1050357"/>
-            </a:xfrm>
-            <a:prstGeom prst="line">
-              <a:avLst/>
-            </a:prstGeom>
-          </p:spPr>
-          <p:style>
-            <a:lnRef idx="3">
-              <a:schemeClr val="accent1"/>
-            </a:lnRef>
-            <a:fillRef idx="0">
-              <a:schemeClr val="accent1"/>
-            </a:fillRef>
-            <a:effectRef idx="2">
-              <a:schemeClr val="accent1"/>
-            </a:effectRef>
-            <a:fontRef idx="minor">
-              <a:schemeClr val="tx1"/>
-            </a:fontRef>
-          </p:style>
-        </p:cxnSp>
-        <p:cxnSp>
-          <p:nvCxnSpPr>
-            <p:cNvPr id="26" name="直接连接符 25"/>
-            <p:cNvCxnSpPr/>
-            <p:nvPr/>
-          </p:nvCxnSpPr>
-          <p:spPr>
-            <a:xfrm flipH="1">
-              <a:off x="1644162" y="4160163"/>
-              <a:ext cx="14241" cy="1016043"/>
-            </a:xfrm>
-            <a:prstGeom prst="line">
-              <a:avLst/>
-            </a:prstGeom>
-          </p:spPr>
-          <p:style>
-            <a:lnRef idx="3">
-              <a:schemeClr val="accent1"/>
-            </a:lnRef>
-            <a:fillRef idx="0">
-              <a:schemeClr val="accent1"/>
-            </a:fillRef>
-            <a:effectRef idx="2">
-              <a:schemeClr val="accent1"/>
-            </a:effectRef>
-            <a:fontRef idx="minor">
-              <a:schemeClr val="tx1"/>
-            </a:fontRef>
-          </p:style>
-        </p:cxnSp>
-        <p:cxnSp>
-          <p:nvCxnSpPr>
-            <p:cNvPr id="28" name="直接连接符 27"/>
-            <p:cNvCxnSpPr/>
-            <p:nvPr/>
-          </p:nvCxnSpPr>
-          <p:spPr>
-            <a:xfrm>
-              <a:off x="3446585" y="4222707"/>
-              <a:ext cx="0" cy="953499"/>
-            </a:xfrm>
-            <a:prstGeom prst="line">
-              <a:avLst/>
-            </a:prstGeom>
-          </p:spPr>
-          <p:style>
-            <a:lnRef idx="3">
-              <a:schemeClr val="accent1"/>
-            </a:lnRef>
-            <a:fillRef idx="0">
-              <a:schemeClr val="accent1"/>
-            </a:fillRef>
-            <a:effectRef idx="2">
-              <a:schemeClr val="accent1"/>
-            </a:effectRef>
-            <a:fontRef idx="minor">
-              <a:schemeClr val="tx1"/>
-            </a:fontRef>
-          </p:style>
-        </p:cxnSp>
-        <p:cxnSp>
-          <p:nvCxnSpPr>
-            <p:cNvPr id="30" name="直接连接符 29"/>
-            <p:cNvCxnSpPr/>
-            <p:nvPr/>
-          </p:nvCxnSpPr>
-          <p:spPr>
-            <a:xfrm>
-              <a:off x="5249008" y="4202723"/>
-              <a:ext cx="17584" cy="982180"/>
-            </a:xfrm>
-            <a:prstGeom prst="line">
-              <a:avLst/>
-            </a:prstGeom>
-          </p:spPr>
-          <p:style>
-            <a:lnRef idx="3">
-              <a:schemeClr val="accent1"/>
-            </a:lnRef>
-            <a:fillRef idx="0">
-              <a:schemeClr val="accent1"/>
-            </a:fillRef>
-            <a:effectRef idx="2">
-              <a:schemeClr val="accent1"/>
-            </a:effectRef>
-            <a:fontRef idx="minor">
-              <a:schemeClr val="tx1"/>
-            </a:fontRef>
-          </p:style>
-        </p:cxnSp>
-        <p:cxnSp>
-          <p:nvCxnSpPr>
-            <p:cNvPr id="33" name="直接连接符 32"/>
-            <p:cNvCxnSpPr/>
-            <p:nvPr/>
-          </p:nvCxnSpPr>
-          <p:spPr>
-            <a:xfrm>
-              <a:off x="7063153" y="4213383"/>
-              <a:ext cx="17584" cy="982180"/>
-            </a:xfrm>
-            <a:prstGeom prst="line">
-              <a:avLst/>
-            </a:prstGeom>
-          </p:spPr>
-          <p:style>
-            <a:lnRef idx="3">
-              <a:schemeClr val="accent1"/>
-            </a:lnRef>
-            <a:fillRef idx="0">
-              <a:schemeClr val="accent1"/>
-            </a:fillRef>
-            <a:effectRef idx="2">
-              <a:schemeClr val="accent1"/>
-            </a:effectRef>
-            <a:fontRef idx="minor">
-              <a:schemeClr val="tx1"/>
-            </a:fontRef>
-          </p:style>
-        </p:cxnSp>
-        <p:cxnSp>
-          <p:nvCxnSpPr>
-            <p:cNvPr id="34" name="直接连接符 33"/>
-            <p:cNvCxnSpPr/>
-            <p:nvPr/>
-          </p:nvCxnSpPr>
-          <p:spPr>
-            <a:xfrm>
-              <a:off x="1957385" y="5518754"/>
-              <a:ext cx="17584" cy="982180"/>
-            </a:xfrm>
-            <a:prstGeom prst="line">
-              <a:avLst/>
-            </a:prstGeom>
-          </p:spPr>
-          <p:style>
-            <a:lnRef idx="3">
-              <a:schemeClr val="accent1"/>
-            </a:lnRef>
-            <a:fillRef idx="0">
-              <a:schemeClr val="accent1"/>
-            </a:fillRef>
-            <a:effectRef idx="2">
-              <a:schemeClr val="accent1"/>
-            </a:effectRef>
-            <a:fontRef idx="minor">
-              <a:schemeClr val="tx1"/>
-            </a:fontRef>
-          </p:style>
-        </p:cxnSp>
-        <p:cxnSp>
-          <p:nvCxnSpPr>
-            <p:cNvPr id="35" name="直接连接符 34"/>
-            <p:cNvCxnSpPr/>
-            <p:nvPr/>
-          </p:nvCxnSpPr>
-          <p:spPr>
-            <a:xfrm>
-              <a:off x="3771848" y="5518754"/>
-              <a:ext cx="17584" cy="982180"/>
-            </a:xfrm>
-            <a:prstGeom prst="line">
-              <a:avLst/>
-            </a:prstGeom>
-          </p:spPr>
-          <p:style>
-            <a:lnRef idx="3">
-              <a:schemeClr val="accent1"/>
-            </a:lnRef>
-            <a:fillRef idx="0">
-              <a:schemeClr val="accent1"/>
-            </a:fillRef>
-            <a:effectRef idx="2">
-              <a:schemeClr val="accent1"/>
-            </a:effectRef>
-            <a:fontRef idx="minor">
-              <a:schemeClr val="tx1"/>
-            </a:fontRef>
-          </p:style>
-        </p:cxnSp>
-        <p:cxnSp>
-          <p:nvCxnSpPr>
-            <p:cNvPr id="36" name="直接连接符 35"/>
-            <p:cNvCxnSpPr/>
-            <p:nvPr/>
-          </p:nvCxnSpPr>
-          <p:spPr>
-            <a:xfrm>
-              <a:off x="5585696" y="5518754"/>
-              <a:ext cx="17584" cy="982180"/>
-            </a:xfrm>
-            <a:prstGeom prst="line">
-              <a:avLst/>
-            </a:prstGeom>
-          </p:spPr>
-          <p:style>
-            <a:lnRef idx="3">
-              <a:schemeClr val="accent1"/>
-            </a:lnRef>
-            <a:fillRef idx="0">
-              <a:schemeClr val="accent1"/>
-            </a:fillRef>
-            <a:effectRef idx="2">
-              <a:schemeClr val="accent1"/>
-            </a:effectRef>
-            <a:fontRef idx="minor">
-              <a:schemeClr val="tx1"/>
-            </a:fontRef>
-          </p:style>
-        </p:cxnSp>
-        <p:cxnSp>
-          <p:nvCxnSpPr>
-            <p:cNvPr id="37" name="直接连接符 36"/>
-            <p:cNvCxnSpPr/>
-            <p:nvPr/>
-          </p:nvCxnSpPr>
-          <p:spPr>
-            <a:xfrm>
-              <a:off x="7390752" y="5497075"/>
-              <a:ext cx="8792" cy="1003859"/>
-            </a:xfrm>
-            <a:prstGeom prst="line">
-              <a:avLst/>
-            </a:prstGeom>
-          </p:spPr>
-          <p:style>
-            <a:lnRef idx="3">
-              <a:schemeClr val="accent1"/>
-            </a:lnRef>
-            <a:fillRef idx="0">
-              <a:schemeClr val="accent1"/>
-            </a:fillRef>
-            <a:effectRef idx="2">
-              <a:schemeClr val="accent1"/>
-            </a:effectRef>
-            <a:fontRef idx="minor">
-              <a:schemeClr val="tx1"/>
-            </a:fontRef>
-          </p:style>
-        </p:cxnSp>
-      </p:grpSp>
+          <a:prstGeom prst="rect">
+            <a:avLst/>
+          </a:prstGeom>
+        </p:spPr>
+      </p:pic>
       <mc:AlternateContent xmlns:mc="http://schemas.openxmlformats.org/markup-compatibility/2006" xmlns:a14="http://schemas.microsoft.com/office/drawing/2010/main">
         <mc:Choice Requires="a14">
           <p:sp>
@@ -40140,6 +39645,774 @@
           </p:sp>
         </mc:Fallback>
       </mc:AlternateContent>
+      <p:sp>
+        <p:nvSpPr>
+          <p:cNvPr id="4" name="椭圆 3"/>
+          <p:cNvSpPr/>
+          <p:nvPr/>
+        </p:nvSpPr>
+        <p:spPr>
+          <a:xfrm>
+            <a:off x="1504535" y="1412534"/>
+            <a:ext cx="228600" cy="1066897"/>
+          </a:xfrm>
+          <a:prstGeom prst="ellipse">
+            <a:avLst/>
+          </a:prstGeom>
+          <a:noFill/>
+          <a:ln w="22225" cap="flat" cmpd="sng" algn="ctr">
+            <a:solidFill>
+              <a:schemeClr val="accent1"/>
+            </a:solidFill>
+            <a:prstDash val="solid"/>
+            <a:round/>
+            <a:headEnd type="none" w="med" len="med"/>
+            <a:tailEnd type="none" w="med" len="med"/>
+          </a:ln>
+        </p:spPr>
+        <p:style>
+          <a:lnRef idx="0">
+            <a:scrgbClr r="0" g="0" b="0"/>
+          </a:lnRef>
+          <a:fillRef idx="0">
+            <a:scrgbClr r="0" g="0" b="0"/>
+          </a:fillRef>
+          <a:effectRef idx="0">
+            <a:scrgbClr r="0" g="0" b="0"/>
+          </a:effectRef>
+          <a:fontRef idx="minor">
+            <a:schemeClr val="accent1"/>
+          </a:fontRef>
+        </p:style>
+        <p:txBody>
+          <a:bodyPr rtlCol="0" anchor="ctr"/>
+          <a:lstStyle/>
+          <a:p>
+            <a:pPr algn="ctr"/>
+            <a:endParaRPr lang="zh-CN" altLang="en-US"/>
+          </a:p>
+        </p:txBody>
+      </p:sp>
+      <p:sp>
+        <p:nvSpPr>
+          <p:cNvPr id="25" name="椭圆 24"/>
+          <p:cNvSpPr/>
+          <p:nvPr/>
+        </p:nvSpPr>
+        <p:spPr>
+          <a:xfrm>
+            <a:off x="3301096" y="1433001"/>
+            <a:ext cx="228600" cy="1066897"/>
+          </a:xfrm>
+          <a:prstGeom prst="ellipse">
+            <a:avLst/>
+          </a:prstGeom>
+          <a:noFill/>
+          <a:ln w="22225" cap="flat" cmpd="sng" algn="ctr">
+            <a:solidFill>
+              <a:schemeClr val="accent1"/>
+            </a:solidFill>
+            <a:prstDash val="solid"/>
+            <a:round/>
+            <a:headEnd type="none" w="med" len="med"/>
+            <a:tailEnd type="none" w="med" len="med"/>
+          </a:ln>
+        </p:spPr>
+        <p:style>
+          <a:lnRef idx="0">
+            <a:scrgbClr r="0" g="0" b="0"/>
+          </a:lnRef>
+          <a:fillRef idx="0">
+            <a:scrgbClr r="0" g="0" b="0"/>
+          </a:fillRef>
+          <a:effectRef idx="0">
+            <a:scrgbClr r="0" g="0" b="0"/>
+          </a:effectRef>
+          <a:fontRef idx="minor">
+            <a:schemeClr val="accent1"/>
+          </a:fontRef>
+        </p:style>
+        <p:txBody>
+          <a:bodyPr rtlCol="0" anchor="ctr"/>
+          <a:lstStyle/>
+          <a:p>
+            <a:pPr algn="ctr"/>
+            <a:endParaRPr lang="zh-CN" altLang="en-US"/>
+          </a:p>
+        </p:txBody>
+      </p:sp>
+      <p:sp>
+        <p:nvSpPr>
+          <p:cNvPr id="27" name="椭圆 26"/>
+          <p:cNvSpPr/>
+          <p:nvPr/>
+        </p:nvSpPr>
+        <p:spPr>
+          <a:xfrm>
+            <a:off x="5066055" y="1433001"/>
+            <a:ext cx="228600" cy="1066897"/>
+          </a:xfrm>
+          <a:prstGeom prst="ellipse">
+            <a:avLst/>
+          </a:prstGeom>
+          <a:noFill/>
+          <a:ln w="22225" cap="flat" cmpd="sng" algn="ctr">
+            <a:solidFill>
+              <a:schemeClr val="accent1"/>
+            </a:solidFill>
+            <a:prstDash val="solid"/>
+            <a:round/>
+            <a:headEnd type="none" w="med" len="med"/>
+            <a:tailEnd type="none" w="med" len="med"/>
+          </a:ln>
+        </p:spPr>
+        <p:style>
+          <a:lnRef idx="0">
+            <a:scrgbClr r="0" g="0" b="0"/>
+          </a:lnRef>
+          <a:fillRef idx="0">
+            <a:scrgbClr r="0" g="0" b="0"/>
+          </a:fillRef>
+          <a:effectRef idx="0">
+            <a:scrgbClr r="0" g="0" b="0"/>
+          </a:effectRef>
+          <a:fontRef idx="minor">
+            <a:schemeClr val="accent1"/>
+          </a:fontRef>
+        </p:style>
+        <p:txBody>
+          <a:bodyPr rtlCol="0" anchor="ctr"/>
+          <a:lstStyle/>
+          <a:p>
+            <a:pPr algn="ctr"/>
+            <a:endParaRPr lang="zh-CN" altLang="en-US"/>
+          </a:p>
+        </p:txBody>
+      </p:sp>
+      <p:sp>
+        <p:nvSpPr>
+          <p:cNvPr id="29" name="椭圆 28"/>
+          <p:cNvSpPr/>
+          <p:nvPr/>
+        </p:nvSpPr>
+        <p:spPr>
+          <a:xfrm>
+            <a:off x="6831014" y="1412534"/>
+            <a:ext cx="228600" cy="1066897"/>
+          </a:xfrm>
+          <a:prstGeom prst="ellipse">
+            <a:avLst/>
+          </a:prstGeom>
+          <a:noFill/>
+          <a:ln w="22225" cap="flat" cmpd="sng" algn="ctr">
+            <a:solidFill>
+              <a:schemeClr val="accent1"/>
+            </a:solidFill>
+            <a:prstDash val="solid"/>
+            <a:round/>
+            <a:headEnd type="none" w="med" len="med"/>
+            <a:tailEnd type="none" w="med" len="med"/>
+          </a:ln>
+        </p:spPr>
+        <p:style>
+          <a:lnRef idx="0">
+            <a:scrgbClr r="0" g="0" b="0"/>
+          </a:lnRef>
+          <a:fillRef idx="0">
+            <a:scrgbClr r="0" g="0" b="0"/>
+          </a:fillRef>
+          <a:effectRef idx="0">
+            <a:scrgbClr r="0" g="0" b="0"/>
+          </a:effectRef>
+          <a:fontRef idx="minor">
+            <a:schemeClr val="accent1"/>
+          </a:fontRef>
+        </p:style>
+        <p:txBody>
+          <a:bodyPr rtlCol="0" anchor="ctr"/>
+          <a:lstStyle/>
+          <a:p>
+            <a:pPr algn="ctr"/>
+            <a:endParaRPr lang="zh-CN" altLang="en-US"/>
+          </a:p>
+        </p:txBody>
+      </p:sp>
+      <p:sp>
+        <p:nvSpPr>
+          <p:cNvPr id="31" name="椭圆 30"/>
+          <p:cNvSpPr/>
+          <p:nvPr/>
+        </p:nvSpPr>
+        <p:spPr>
+          <a:xfrm>
+            <a:off x="1832781" y="2579540"/>
+            <a:ext cx="228600" cy="1066897"/>
+          </a:xfrm>
+          <a:prstGeom prst="ellipse">
+            <a:avLst/>
+          </a:prstGeom>
+          <a:noFill/>
+          <a:ln w="22225" cap="flat" cmpd="sng" algn="ctr">
+            <a:solidFill>
+              <a:schemeClr val="accent1"/>
+            </a:solidFill>
+            <a:prstDash val="solid"/>
+            <a:round/>
+            <a:headEnd type="none" w="med" len="med"/>
+            <a:tailEnd type="none" w="med" len="med"/>
+          </a:ln>
+        </p:spPr>
+        <p:style>
+          <a:lnRef idx="0">
+            <a:scrgbClr r="0" g="0" b="0"/>
+          </a:lnRef>
+          <a:fillRef idx="0">
+            <a:scrgbClr r="0" g="0" b="0"/>
+          </a:fillRef>
+          <a:effectRef idx="0">
+            <a:scrgbClr r="0" g="0" b="0"/>
+          </a:effectRef>
+          <a:fontRef idx="minor">
+            <a:schemeClr val="accent1"/>
+          </a:fontRef>
+        </p:style>
+        <p:txBody>
+          <a:bodyPr rtlCol="0" anchor="ctr"/>
+          <a:lstStyle/>
+          <a:p>
+            <a:pPr algn="ctr"/>
+            <a:endParaRPr lang="zh-CN" altLang="en-US"/>
+          </a:p>
+        </p:txBody>
+      </p:sp>
+      <p:sp>
+        <p:nvSpPr>
+          <p:cNvPr id="32" name="椭圆 31"/>
+          <p:cNvSpPr/>
+          <p:nvPr/>
+        </p:nvSpPr>
+        <p:spPr>
+          <a:xfrm>
+            <a:off x="3629342" y="2600007"/>
+            <a:ext cx="228600" cy="1066897"/>
+          </a:xfrm>
+          <a:prstGeom prst="ellipse">
+            <a:avLst/>
+          </a:prstGeom>
+          <a:noFill/>
+          <a:ln w="22225" cap="flat" cmpd="sng" algn="ctr">
+            <a:solidFill>
+              <a:schemeClr val="accent1"/>
+            </a:solidFill>
+            <a:prstDash val="solid"/>
+            <a:round/>
+            <a:headEnd type="none" w="med" len="med"/>
+            <a:tailEnd type="none" w="med" len="med"/>
+          </a:ln>
+        </p:spPr>
+        <p:style>
+          <a:lnRef idx="0">
+            <a:scrgbClr r="0" g="0" b="0"/>
+          </a:lnRef>
+          <a:fillRef idx="0">
+            <a:scrgbClr r="0" g="0" b="0"/>
+          </a:fillRef>
+          <a:effectRef idx="0">
+            <a:scrgbClr r="0" g="0" b="0"/>
+          </a:effectRef>
+          <a:fontRef idx="minor">
+            <a:schemeClr val="accent1"/>
+          </a:fontRef>
+        </p:style>
+        <p:txBody>
+          <a:bodyPr rtlCol="0" anchor="ctr"/>
+          <a:lstStyle/>
+          <a:p>
+            <a:pPr algn="ctr"/>
+            <a:endParaRPr lang="zh-CN" altLang="en-US"/>
+          </a:p>
+        </p:txBody>
+      </p:sp>
+      <p:sp>
+        <p:nvSpPr>
+          <p:cNvPr id="38" name="椭圆 37"/>
+          <p:cNvSpPr/>
+          <p:nvPr/>
+        </p:nvSpPr>
+        <p:spPr>
+          <a:xfrm>
+            <a:off x="5394301" y="2600007"/>
+            <a:ext cx="228600" cy="1066897"/>
+          </a:xfrm>
+          <a:prstGeom prst="ellipse">
+            <a:avLst/>
+          </a:prstGeom>
+          <a:noFill/>
+          <a:ln w="22225" cap="flat" cmpd="sng" algn="ctr">
+            <a:solidFill>
+              <a:schemeClr val="accent1"/>
+            </a:solidFill>
+            <a:prstDash val="solid"/>
+            <a:round/>
+            <a:headEnd type="none" w="med" len="med"/>
+            <a:tailEnd type="none" w="med" len="med"/>
+          </a:ln>
+        </p:spPr>
+        <p:style>
+          <a:lnRef idx="0">
+            <a:scrgbClr r="0" g="0" b="0"/>
+          </a:lnRef>
+          <a:fillRef idx="0">
+            <a:scrgbClr r="0" g="0" b="0"/>
+          </a:fillRef>
+          <a:effectRef idx="0">
+            <a:scrgbClr r="0" g="0" b="0"/>
+          </a:effectRef>
+          <a:fontRef idx="minor">
+            <a:schemeClr val="accent1"/>
+          </a:fontRef>
+        </p:style>
+        <p:txBody>
+          <a:bodyPr rtlCol="0" anchor="ctr"/>
+          <a:lstStyle/>
+          <a:p>
+            <a:pPr algn="ctr"/>
+            <a:endParaRPr lang="zh-CN" altLang="en-US"/>
+          </a:p>
+        </p:txBody>
+      </p:sp>
+      <p:sp>
+        <p:nvSpPr>
+          <p:cNvPr id="39" name="椭圆 38"/>
+          <p:cNvSpPr/>
+          <p:nvPr/>
+        </p:nvSpPr>
+        <p:spPr>
+          <a:xfrm>
+            <a:off x="7159260" y="2579540"/>
+            <a:ext cx="228600" cy="1066897"/>
+          </a:xfrm>
+          <a:prstGeom prst="ellipse">
+            <a:avLst/>
+          </a:prstGeom>
+          <a:noFill/>
+          <a:ln w="22225" cap="flat" cmpd="sng" algn="ctr">
+            <a:solidFill>
+              <a:schemeClr val="accent1"/>
+            </a:solidFill>
+            <a:prstDash val="solid"/>
+            <a:round/>
+            <a:headEnd type="none" w="med" len="med"/>
+            <a:tailEnd type="none" w="med" len="med"/>
+          </a:ln>
+        </p:spPr>
+        <p:style>
+          <a:lnRef idx="0">
+            <a:scrgbClr r="0" g="0" b="0"/>
+          </a:lnRef>
+          <a:fillRef idx="0">
+            <a:scrgbClr r="0" g="0" b="0"/>
+          </a:fillRef>
+          <a:effectRef idx="0">
+            <a:scrgbClr r="0" g="0" b="0"/>
+          </a:effectRef>
+          <a:fontRef idx="minor">
+            <a:schemeClr val="accent1"/>
+          </a:fontRef>
+        </p:style>
+        <p:txBody>
+          <a:bodyPr rtlCol="0" anchor="ctr"/>
+          <a:lstStyle/>
+          <a:p>
+            <a:pPr algn="ctr"/>
+            <a:endParaRPr lang="zh-CN" altLang="en-US"/>
+          </a:p>
+        </p:txBody>
+      </p:sp>
+      <p:sp>
+        <p:nvSpPr>
+          <p:cNvPr id="40" name="椭圆 39"/>
+          <p:cNvSpPr/>
+          <p:nvPr/>
+        </p:nvSpPr>
+        <p:spPr>
+          <a:xfrm>
+            <a:off x="1832781" y="4912433"/>
+            <a:ext cx="228600" cy="1066897"/>
+          </a:xfrm>
+          <a:prstGeom prst="ellipse">
+            <a:avLst/>
+          </a:prstGeom>
+          <a:noFill/>
+          <a:ln w="22225" cap="flat" cmpd="sng" algn="ctr">
+            <a:solidFill>
+              <a:schemeClr val="accent1"/>
+            </a:solidFill>
+            <a:prstDash val="solid"/>
+            <a:round/>
+            <a:headEnd type="none" w="med" len="med"/>
+            <a:tailEnd type="none" w="med" len="med"/>
+          </a:ln>
+        </p:spPr>
+        <p:style>
+          <a:lnRef idx="0">
+            <a:scrgbClr r="0" g="0" b="0"/>
+          </a:lnRef>
+          <a:fillRef idx="0">
+            <a:scrgbClr r="0" g="0" b="0"/>
+          </a:fillRef>
+          <a:effectRef idx="0">
+            <a:scrgbClr r="0" g="0" b="0"/>
+          </a:effectRef>
+          <a:fontRef idx="minor">
+            <a:schemeClr val="accent1"/>
+          </a:fontRef>
+        </p:style>
+        <p:txBody>
+          <a:bodyPr rtlCol="0" anchor="ctr"/>
+          <a:lstStyle/>
+          <a:p>
+            <a:pPr algn="ctr"/>
+            <a:endParaRPr lang="zh-CN" altLang="en-US"/>
+          </a:p>
+        </p:txBody>
+      </p:sp>
+      <p:sp>
+        <p:nvSpPr>
+          <p:cNvPr id="43" name="椭圆 42"/>
+          <p:cNvSpPr/>
+          <p:nvPr/>
+        </p:nvSpPr>
+        <p:spPr>
+          <a:xfrm>
+            <a:off x="3629342" y="4932900"/>
+            <a:ext cx="228600" cy="1066897"/>
+          </a:xfrm>
+          <a:prstGeom prst="ellipse">
+            <a:avLst/>
+          </a:prstGeom>
+          <a:noFill/>
+          <a:ln w="22225" cap="flat" cmpd="sng" algn="ctr">
+            <a:solidFill>
+              <a:schemeClr val="accent1"/>
+            </a:solidFill>
+            <a:prstDash val="solid"/>
+            <a:round/>
+            <a:headEnd type="none" w="med" len="med"/>
+            <a:tailEnd type="none" w="med" len="med"/>
+          </a:ln>
+        </p:spPr>
+        <p:style>
+          <a:lnRef idx="0">
+            <a:scrgbClr r="0" g="0" b="0"/>
+          </a:lnRef>
+          <a:fillRef idx="0">
+            <a:scrgbClr r="0" g="0" b="0"/>
+          </a:fillRef>
+          <a:effectRef idx="0">
+            <a:scrgbClr r="0" g="0" b="0"/>
+          </a:effectRef>
+          <a:fontRef idx="minor">
+            <a:schemeClr val="accent1"/>
+          </a:fontRef>
+        </p:style>
+        <p:txBody>
+          <a:bodyPr rtlCol="0" anchor="ctr"/>
+          <a:lstStyle/>
+          <a:p>
+            <a:pPr algn="ctr"/>
+            <a:endParaRPr lang="zh-CN" altLang="en-US"/>
+          </a:p>
+        </p:txBody>
+      </p:sp>
+      <p:sp>
+        <p:nvSpPr>
+          <p:cNvPr id="44" name="椭圆 43"/>
+          <p:cNvSpPr/>
+          <p:nvPr/>
+        </p:nvSpPr>
+        <p:spPr>
+          <a:xfrm>
+            <a:off x="5394301" y="4932900"/>
+            <a:ext cx="228600" cy="1066897"/>
+          </a:xfrm>
+          <a:prstGeom prst="ellipse">
+            <a:avLst/>
+          </a:prstGeom>
+          <a:noFill/>
+          <a:ln w="22225" cap="flat" cmpd="sng" algn="ctr">
+            <a:solidFill>
+              <a:schemeClr val="accent1"/>
+            </a:solidFill>
+            <a:prstDash val="solid"/>
+            <a:round/>
+            <a:headEnd type="none" w="med" len="med"/>
+            <a:tailEnd type="none" w="med" len="med"/>
+          </a:ln>
+        </p:spPr>
+        <p:style>
+          <a:lnRef idx="0">
+            <a:scrgbClr r="0" g="0" b="0"/>
+          </a:lnRef>
+          <a:fillRef idx="0">
+            <a:scrgbClr r="0" g="0" b="0"/>
+          </a:fillRef>
+          <a:effectRef idx="0">
+            <a:scrgbClr r="0" g="0" b="0"/>
+          </a:effectRef>
+          <a:fontRef idx="minor">
+            <a:schemeClr val="accent1"/>
+          </a:fontRef>
+        </p:style>
+        <p:txBody>
+          <a:bodyPr rtlCol="0" anchor="ctr"/>
+          <a:lstStyle/>
+          <a:p>
+            <a:pPr algn="ctr"/>
+            <a:endParaRPr lang="zh-CN" altLang="en-US"/>
+          </a:p>
+        </p:txBody>
+      </p:sp>
+      <p:sp>
+        <p:nvSpPr>
+          <p:cNvPr id="45" name="椭圆 44"/>
+          <p:cNvSpPr/>
+          <p:nvPr/>
+        </p:nvSpPr>
+        <p:spPr>
+          <a:xfrm>
+            <a:off x="7159260" y="4912433"/>
+            <a:ext cx="228600" cy="1066897"/>
+          </a:xfrm>
+          <a:prstGeom prst="ellipse">
+            <a:avLst/>
+          </a:prstGeom>
+          <a:noFill/>
+          <a:ln w="22225" cap="flat" cmpd="sng" algn="ctr">
+            <a:solidFill>
+              <a:schemeClr val="accent1"/>
+            </a:solidFill>
+            <a:prstDash val="solid"/>
+            <a:round/>
+            <a:headEnd type="none" w="med" len="med"/>
+            <a:tailEnd type="none" w="med" len="med"/>
+          </a:ln>
+        </p:spPr>
+        <p:style>
+          <a:lnRef idx="0">
+            <a:scrgbClr r="0" g="0" b="0"/>
+          </a:lnRef>
+          <a:fillRef idx="0">
+            <a:scrgbClr r="0" g="0" b="0"/>
+          </a:fillRef>
+          <a:effectRef idx="0">
+            <a:scrgbClr r="0" g="0" b="0"/>
+          </a:effectRef>
+          <a:fontRef idx="minor">
+            <a:schemeClr val="accent1"/>
+          </a:fontRef>
+        </p:style>
+        <p:txBody>
+          <a:bodyPr rtlCol="0" anchor="ctr"/>
+          <a:lstStyle/>
+          <a:p>
+            <a:pPr algn="ctr"/>
+            <a:endParaRPr lang="zh-CN" altLang="en-US"/>
+          </a:p>
+        </p:txBody>
+      </p:sp>
+      <p:sp>
+        <p:nvSpPr>
+          <p:cNvPr id="46" name="椭圆 45"/>
+          <p:cNvSpPr/>
+          <p:nvPr/>
+        </p:nvSpPr>
+        <p:spPr>
+          <a:xfrm>
+            <a:off x="1504535" y="3713284"/>
+            <a:ext cx="228600" cy="1066897"/>
+          </a:xfrm>
+          <a:prstGeom prst="ellipse">
+            <a:avLst/>
+          </a:prstGeom>
+          <a:noFill/>
+          <a:ln w="22225" cap="flat" cmpd="sng" algn="ctr">
+            <a:solidFill>
+              <a:schemeClr val="accent1"/>
+            </a:solidFill>
+            <a:prstDash val="solid"/>
+            <a:round/>
+            <a:headEnd type="none" w="med" len="med"/>
+            <a:tailEnd type="none" w="med" len="med"/>
+          </a:ln>
+        </p:spPr>
+        <p:style>
+          <a:lnRef idx="0">
+            <a:scrgbClr r="0" g="0" b="0"/>
+          </a:lnRef>
+          <a:fillRef idx="0">
+            <a:scrgbClr r="0" g="0" b="0"/>
+          </a:fillRef>
+          <a:effectRef idx="0">
+            <a:scrgbClr r="0" g="0" b="0"/>
+          </a:effectRef>
+          <a:fontRef idx="minor">
+            <a:schemeClr val="accent1"/>
+          </a:fontRef>
+        </p:style>
+        <p:txBody>
+          <a:bodyPr rtlCol="0" anchor="ctr"/>
+          <a:lstStyle/>
+          <a:p>
+            <a:pPr algn="ctr"/>
+            <a:endParaRPr lang="zh-CN" altLang="en-US"/>
+          </a:p>
+        </p:txBody>
+      </p:sp>
+      <p:sp>
+        <p:nvSpPr>
+          <p:cNvPr id="47" name="椭圆 46"/>
+          <p:cNvSpPr/>
+          <p:nvPr/>
+        </p:nvSpPr>
+        <p:spPr>
+          <a:xfrm>
+            <a:off x="3301096" y="3733751"/>
+            <a:ext cx="228600" cy="1066897"/>
+          </a:xfrm>
+          <a:prstGeom prst="ellipse">
+            <a:avLst/>
+          </a:prstGeom>
+          <a:noFill/>
+          <a:ln w="22225" cap="flat" cmpd="sng" algn="ctr">
+            <a:solidFill>
+              <a:schemeClr val="accent1"/>
+            </a:solidFill>
+            <a:prstDash val="solid"/>
+            <a:round/>
+            <a:headEnd type="none" w="med" len="med"/>
+            <a:tailEnd type="none" w="med" len="med"/>
+          </a:ln>
+        </p:spPr>
+        <p:style>
+          <a:lnRef idx="0">
+            <a:scrgbClr r="0" g="0" b="0"/>
+          </a:lnRef>
+          <a:fillRef idx="0">
+            <a:scrgbClr r="0" g="0" b="0"/>
+          </a:fillRef>
+          <a:effectRef idx="0">
+            <a:scrgbClr r="0" g="0" b="0"/>
+          </a:effectRef>
+          <a:fontRef idx="minor">
+            <a:schemeClr val="accent1"/>
+          </a:fontRef>
+        </p:style>
+        <p:txBody>
+          <a:bodyPr rtlCol="0" anchor="ctr"/>
+          <a:lstStyle/>
+          <a:p>
+            <a:pPr algn="ctr"/>
+            <a:endParaRPr lang="zh-CN" altLang="en-US"/>
+          </a:p>
+        </p:txBody>
+      </p:sp>
+      <p:sp>
+        <p:nvSpPr>
+          <p:cNvPr id="48" name="椭圆 47"/>
+          <p:cNvSpPr/>
+          <p:nvPr/>
+        </p:nvSpPr>
+        <p:spPr>
+          <a:xfrm>
+            <a:off x="5066055" y="3733751"/>
+            <a:ext cx="228600" cy="1066897"/>
+          </a:xfrm>
+          <a:prstGeom prst="ellipse">
+            <a:avLst/>
+          </a:prstGeom>
+          <a:noFill/>
+          <a:ln w="22225" cap="flat" cmpd="sng" algn="ctr">
+            <a:solidFill>
+              <a:schemeClr val="accent1"/>
+            </a:solidFill>
+            <a:prstDash val="solid"/>
+            <a:round/>
+            <a:headEnd type="none" w="med" len="med"/>
+            <a:tailEnd type="none" w="med" len="med"/>
+          </a:ln>
+        </p:spPr>
+        <p:style>
+          <a:lnRef idx="0">
+            <a:scrgbClr r="0" g="0" b="0"/>
+          </a:lnRef>
+          <a:fillRef idx="0">
+            <a:scrgbClr r="0" g="0" b="0"/>
+          </a:fillRef>
+          <a:effectRef idx="0">
+            <a:scrgbClr r="0" g="0" b="0"/>
+          </a:effectRef>
+          <a:fontRef idx="minor">
+            <a:schemeClr val="accent1"/>
+          </a:fontRef>
+        </p:style>
+        <p:txBody>
+          <a:bodyPr rtlCol="0" anchor="ctr"/>
+          <a:lstStyle/>
+          <a:p>
+            <a:pPr algn="ctr"/>
+            <a:endParaRPr lang="zh-CN" altLang="en-US"/>
+          </a:p>
+        </p:txBody>
+      </p:sp>
+      <p:sp>
+        <p:nvSpPr>
+          <p:cNvPr id="49" name="椭圆 48"/>
+          <p:cNvSpPr/>
+          <p:nvPr/>
+        </p:nvSpPr>
+        <p:spPr>
+          <a:xfrm>
+            <a:off x="6831014" y="3713284"/>
+            <a:ext cx="228600" cy="1066897"/>
+          </a:xfrm>
+          <a:prstGeom prst="ellipse">
+            <a:avLst/>
+          </a:prstGeom>
+          <a:noFill/>
+          <a:ln w="22225" cap="flat" cmpd="sng" algn="ctr">
+            <a:solidFill>
+              <a:schemeClr val="accent1"/>
+            </a:solidFill>
+            <a:prstDash val="solid"/>
+            <a:round/>
+            <a:headEnd type="none" w="med" len="med"/>
+            <a:tailEnd type="none" w="med" len="med"/>
+          </a:ln>
+        </p:spPr>
+        <p:style>
+          <a:lnRef idx="0">
+            <a:scrgbClr r="0" g="0" b="0"/>
+          </a:lnRef>
+          <a:fillRef idx="0">
+            <a:scrgbClr r="0" g="0" b="0"/>
+          </a:fillRef>
+          <a:effectRef idx="0">
+            <a:scrgbClr r="0" g="0" b="0"/>
+          </a:effectRef>
+          <a:fontRef idx="minor">
+            <a:schemeClr val="accent1"/>
+          </a:fontRef>
+        </p:style>
+        <p:txBody>
+          <a:bodyPr rtlCol="0" anchor="ctr"/>
+          <a:lstStyle/>
+          <a:p>
+            <a:pPr algn="ctr"/>
+            <a:endParaRPr lang="zh-CN" altLang="en-US"/>
+          </a:p>
+        </p:txBody>
+      </p:sp>
     </p:spTree>
     <p:extLst>
       <p:ext uri="{BB962C8B-B14F-4D97-AF65-F5344CB8AC3E}">
@@ -46108,37 +46381,6 @@
           </a:p>
         </p:txBody>
       </p:sp>
-      <p:sp>
-        <p:nvSpPr>
-          <p:cNvPr id="4" name="页脚占位符 3"/>
-          <p:cNvSpPr>
-            <a:spLocks noGrp="1"/>
-          </p:cNvSpPr>
-          <p:nvPr>
-            <p:ph type="ftr" sz="quarter" idx="11"/>
-          </p:nvPr>
-        </p:nvSpPr>
-        <p:spPr/>
-        <p:txBody>
-          <a:bodyPr/>
-          <a:lstStyle/>
-          <a:p>
-            <a:r>
-              <a:rPr lang="zh-CN" altLang="en-US" smtClean="0"/>
-              <a:t>共</a:t>
-            </a:r>
-            <a:r>
-              <a:rPr lang="en-US" altLang="zh-CN" smtClean="0"/>
-              <a:t>38</a:t>
-            </a:r>
-            <a:r>
-              <a:rPr lang="zh-CN" altLang="en-US" smtClean="0"/>
-              <a:t>页</a:t>
-            </a:r>
-            <a:endParaRPr lang="zh-CN" altLang="en-US"/>
-          </a:p>
-        </p:txBody>
-      </p:sp>
       <p:graphicFrame>
         <p:nvGraphicFramePr>
           <p:cNvPr id="7" name="内容占位符 6"/>
@@ -46149,14 +46391,14 @@
             <p:ph idx="1"/>
             <p:extLst>
               <p:ext uri="{D42A27DB-BD31-4B8C-83A1-F6EECF244321}">
-                <p14:modId xmlns:p14="http://schemas.microsoft.com/office/powerpoint/2010/main" val="3846665677"/>
+                <p14:modId xmlns:p14="http://schemas.microsoft.com/office/powerpoint/2010/main" val="4078586890"/>
               </p:ext>
             </p:extLst>
           </p:nvPr>
         </p:nvGraphicFramePr>
         <p:xfrm>
-          <a:off x="1362807" y="1540193"/>
-          <a:ext cx="6591300" cy="4485640"/>
+          <a:off x="926230" y="1409346"/>
+          <a:ext cx="7678517" cy="5032118"/>
         </p:xfrm>
         <a:graphic>
           <a:graphicData uri="http://schemas.openxmlformats.org/drawingml/2006/table">
@@ -46165,21 +46407,28 @@
                 <a:tableStyleId>{5940675A-B579-460E-94D1-54222C63F5DA}</a:tableStyleId>
               </a:tblPr>
               <a:tblGrid>
-                <a:gridCol w="826477">
+                <a:gridCol w="859633">
                   <a:extLst>
                     <a:ext uri="{9D8B030D-6E8A-4147-A177-3AD203B41FA5}">
                       <a16:colId xmlns:a16="http://schemas.microsoft.com/office/drawing/2014/main" val="3143199465"/>
                     </a:ext>
                   </a:extLst>
                 </a:gridCol>
-                <a:gridCol w="1283677">
+                <a:gridCol w="1059924">
+                  <a:extLst>
+                    <a:ext uri="{9D8B030D-6E8A-4147-A177-3AD203B41FA5}">
+                      <a16:colId xmlns:a16="http://schemas.microsoft.com/office/drawing/2014/main" val="3820278609"/>
+                    </a:ext>
+                  </a:extLst>
+                </a:gridCol>
+                <a:gridCol w="1283676">
                   <a:extLst>
                     <a:ext uri="{9D8B030D-6E8A-4147-A177-3AD203B41FA5}">
                       <a16:colId xmlns:a16="http://schemas.microsoft.com/office/drawing/2014/main" val="1802694674"/>
                     </a:ext>
                   </a:extLst>
                 </a:gridCol>
-                <a:gridCol w="4481146">
+                <a:gridCol w="4475284">
                   <a:extLst>
                     <a:ext uri="{9D8B030D-6E8A-4147-A177-3AD203B41FA5}">
                       <a16:colId xmlns:a16="http://schemas.microsoft.com/office/drawing/2014/main" val="4114629696"/>
@@ -46187,7 +46436,7 @@
                   </a:extLst>
                 </a:gridCol>
               </a:tblGrid>
-              <a:tr h="370840">
+              <a:tr h="369640">
                 <a:tc>
                   <a:txBody>
                     <a:bodyPr/>
@@ -46196,6 +46445,20 @@
                       <a:r>
                         <a:rPr lang="zh-CN" altLang="en-US" dirty="0" smtClean="0"/>
                         <a:t>时间</a:t>
+                      </a:r>
+                      <a:endParaRPr lang="zh-CN" altLang="en-US" dirty="0"/>
+                    </a:p>
+                  </a:txBody>
+                  <a:tcPr/>
+                </a:tc>
+                <a:tc>
+                  <a:txBody>
+                    <a:bodyPr/>
+                    <a:lstStyle/>
+                    <a:p>
+                      <a:r>
+                        <a:rPr lang="zh-CN" altLang="en-US" dirty="0" smtClean="0"/>
+                        <a:t>会议</a:t>
                       </a:r>
                       <a:endParaRPr lang="zh-CN" altLang="en-US" dirty="0"/>
                     </a:p>
@@ -46236,7 +46499,7 @@
                   </a:ext>
                 </a:extLst>
               </a:tr>
-              <a:tr h="370840">
+              <a:tr h="911439">
                 <a:tc>
                   <a:txBody>
                     <a:bodyPr/>
@@ -46245,6 +46508,20 @@
                       <a:r>
                         <a:rPr lang="en-US" altLang="zh-CN" dirty="0" smtClean="0"/>
                         <a:t>1992</a:t>
+                      </a:r>
+                      <a:endParaRPr lang="zh-CN" altLang="en-US" dirty="0"/>
+                    </a:p>
+                  </a:txBody>
+                  <a:tcPr/>
+                </a:tc>
+                <a:tc>
+                  <a:txBody>
+                    <a:bodyPr/>
+                    <a:lstStyle/>
+                    <a:p>
+                      <a:r>
+                        <a:rPr lang="en-US" altLang="zh-CN" dirty="0" err="1" smtClean="0"/>
+                        <a:t>USENIX</a:t>
                       </a:r>
                       <a:endParaRPr lang="zh-CN" altLang="en-US" dirty="0"/>
                     </a:p>
@@ -46319,7 +46596,7 @@
                   </a:ext>
                 </a:extLst>
               </a:tr>
-              <a:tr h="370840">
+              <a:tr h="641200">
                 <a:tc>
                   <a:txBody>
                     <a:bodyPr/>
@@ -46328,6 +46605,20 @@
                       <a:r>
                         <a:rPr lang="en-US" altLang="zh-CN" dirty="0" smtClean="0"/>
                         <a:t>1999</a:t>
+                      </a:r>
+                      <a:endParaRPr lang="zh-CN" altLang="en-US" dirty="0"/>
+                    </a:p>
+                  </a:txBody>
+                  <a:tcPr/>
+                </a:tc>
+                <a:tc>
+                  <a:txBody>
+                    <a:bodyPr/>
+                    <a:lstStyle/>
+                    <a:p>
+                      <a:r>
+                        <a:rPr lang="en-US" altLang="zh-CN" dirty="0" smtClean="0"/>
+                        <a:t>CG</a:t>
                       </a:r>
                       <a:endParaRPr lang="zh-CN" altLang="en-US" dirty="0"/>
                     </a:p>
@@ -46400,7 +46691,7 @@
                   </a:ext>
                 </a:extLst>
               </a:tr>
-              <a:tr h="370840">
+              <a:tr h="641200">
                 <a:tc>
                   <a:txBody>
                     <a:bodyPr/>
@@ -46409,6 +46700,28 @@
                       <a:r>
                         <a:rPr lang="en-US" altLang="zh-CN" dirty="0" smtClean="0"/>
                         <a:t>2002</a:t>
+                      </a:r>
+                      <a:endParaRPr lang="zh-CN" altLang="en-US" dirty="0"/>
+                    </a:p>
+                  </a:txBody>
+                  <a:tcPr/>
+                </a:tc>
+                <a:tc>
+                  <a:txBody>
+                    <a:bodyPr/>
+                    <a:lstStyle/>
+                    <a:p>
+                      <a:r>
+                        <a:rPr lang="en-US" altLang="zh-CN" sz="1800" kern="1200" dirty="0" err="1" smtClean="0">
+                          <a:solidFill>
+                            <a:schemeClr val="tx1"/>
+                          </a:solidFill>
+                          <a:effectLst/>
+                          <a:latin typeface="+mn-lt"/>
+                          <a:ea typeface="+mn-ea"/>
+                          <a:cs typeface="+mn-cs"/>
+                        </a:rPr>
+                        <a:t>CSTR</a:t>
                       </a:r>
                       <a:endParaRPr lang="zh-CN" altLang="en-US" dirty="0"/>
                     </a:p>
@@ -46465,7 +46778,7 @@
                   </a:ext>
                 </a:extLst>
               </a:tr>
-              <a:tr h="370840">
+              <a:tr h="911439">
                 <a:tc>
                   <a:txBody>
                     <a:bodyPr/>
@@ -46474,6 +46787,28 @@
                       <a:r>
                         <a:rPr lang="en-US" altLang="zh-CN" dirty="0" smtClean="0"/>
                         <a:t>2004</a:t>
+                      </a:r>
+                      <a:endParaRPr lang="zh-CN" altLang="en-US" dirty="0"/>
+                    </a:p>
+                  </a:txBody>
+                  <a:tcPr/>
+                </a:tc>
+                <a:tc>
+                  <a:txBody>
+                    <a:bodyPr/>
+                    <a:lstStyle/>
+                    <a:p>
+                      <a:r>
+                        <a:rPr lang="en-US" altLang="zh-CN" sz="1800" b="0" i="0" kern="1200" dirty="0" smtClean="0">
+                          <a:solidFill>
+                            <a:schemeClr val="tx1"/>
+                          </a:solidFill>
+                          <a:effectLst/>
+                          <a:latin typeface="+mn-lt"/>
+                          <a:ea typeface="+mn-ea"/>
+                          <a:cs typeface="+mn-cs"/>
+                        </a:rPr>
+                        <a:t>IEEE-CS</a:t>
                       </a:r>
                       <a:endParaRPr lang="zh-CN" altLang="en-US" dirty="0"/>
                     </a:p>
@@ -46546,7 +46881,7 @@
                   </a:ext>
                 </a:extLst>
               </a:tr>
-              <a:tr h="370840">
+              <a:tr h="641200">
                 <a:tc>
                   <a:txBody>
                     <a:bodyPr/>
@@ -46555,6 +46890,20 @@
                       <a:r>
                         <a:rPr lang="en-US" altLang="zh-CN" dirty="0" smtClean="0"/>
                         <a:t>2013</a:t>
+                      </a:r>
+                      <a:endParaRPr lang="zh-CN" altLang="en-US" dirty="0"/>
+                    </a:p>
+                  </a:txBody>
+                  <a:tcPr/>
+                </a:tc>
+                <a:tc>
+                  <a:txBody>
+                    <a:bodyPr/>
+                    <a:lstStyle/>
+                    <a:p>
+                      <a:r>
+                        <a:rPr lang="en-US" altLang="zh-CN" dirty="0" err="1" smtClean="0"/>
+                        <a:t>NSS</a:t>
                       </a:r>
                       <a:endParaRPr lang="zh-CN" altLang="en-US" dirty="0"/>
                     </a:p>
@@ -46603,7 +46952,7 @@
                   </a:ext>
                 </a:extLst>
               </a:tr>
-              <a:tr h="370840">
+              <a:tr h="916000">
                 <a:tc>
                   <a:txBody>
                     <a:bodyPr/>
@@ -46613,6 +46962,40 @@
                         <a:rPr lang="en-US" altLang="zh-CN" dirty="0" smtClean="0"/>
                         <a:t>2016</a:t>
                       </a:r>
+                      <a:endParaRPr lang="zh-CN" altLang="en-US" dirty="0"/>
+                    </a:p>
+                  </a:txBody>
+                  <a:tcPr/>
+                </a:tc>
+                <a:tc>
+                  <a:txBody>
+                    <a:bodyPr/>
+                    <a:lstStyle/>
+                    <a:p>
+                      <a:pPr marL="0" marR="0" indent="0" algn="l" defTabSz="457200" rtl="0" eaLnBrk="1" fontAlgn="auto" latinLnBrk="0" hangingPunct="1">
+                        <a:lnSpc>
+                          <a:spcPct val="100000"/>
+                        </a:lnSpc>
+                        <a:spcBef>
+                          <a:spcPts val="0"/>
+                        </a:spcBef>
+                        <a:spcAft>
+                          <a:spcPts val="0"/>
+                        </a:spcAft>
+                        <a:buClrTx/>
+                        <a:buSzTx/>
+                        <a:buFontTx/>
+                        <a:buNone/>
+                        <a:tabLst/>
+                        <a:defRPr/>
+                      </a:pPr>
+                      <a:r>
+                        <a:rPr lang="en-US" altLang="zh-CN" dirty="0" smtClean="0"/>
+                        <a:t>ME</a:t>
+                      </a:r>
+                      <a:endParaRPr lang="zh-CN" altLang="en-US" dirty="0" smtClean="0"/>
+                    </a:p>
+                    <a:p>
                       <a:endParaRPr lang="zh-CN" altLang="en-US" dirty="0"/>
                     </a:p>
                   </a:txBody>
